--- a/Spring-basic.pptx
+++ b/Spring-basic.pptx
@@ -11,6 +11,10 @@
     <p:sldId id="259" r:id="rId5"/>
     <p:sldId id="260" r:id="rId6"/>
     <p:sldId id="261" r:id="rId7"/>
+    <p:sldId id="262" r:id="rId8"/>
+    <p:sldId id="263" r:id="rId9"/>
+    <p:sldId id="264" r:id="rId10"/>
+    <p:sldId id="265" r:id="rId11"/>
   </p:sldIdLst>
   <p:sldSz cx="12192000" cy="6858000"/>
   <p:notesSz cx="6858000" cy="9144000"/>
@@ -109,6 +113,11 @@
       </a:defRPr>
     </a:lvl9pPr>
   </p:defaultTextStyle>
+  <p:extLst>
+    <p:ext uri="{EFAFB233-063F-42B5-8137-9DF3F51BA10A}">
+      <p15:sldGuideLst xmlns:p15="http://schemas.microsoft.com/office/powerpoint/2012/main"/>
+    </p:ext>
+  </p:extLst>
 </p:presentation>
 </file>
 
@@ -3024,6 +3033,158 @@
 </p:sld>
 </file>
 
+<file path=ppt/slides/slide10.xml><?xml version="1.0" encoding="utf-8"?>
+<p:sld xmlns:a="http://schemas.openxmlformats.org/drawingml/2006/main" xmlns:r="http://schemas.openxmlformats.org/officeDocument/2006/relationships" xmlns:p="http://schemas.openxmlformats.org/presentationml/2006/main">
+  <p:cSld>
+    <p:spTree>
+      <p:nvGrpSpPr>
+        <p:cNvPr id="1" name=""/>
+        <p:cNvGrpSpPr/>
+        <p:nvPr/>
+      </p:nvGrpSpPr>
+      <p:grpSpPr>
+        <a:xfrm>
+          <a:off x="0" y="0"/>
+          <a:ext cx="0" cy="0"/>
+          <a:chOff x="0" y="0"/>
+          <a:chExt cx="0" cy="0"/>
+        </a:xfrm>
+      </p:grpSpPr>
+      <p:sp>
+        <p:nvSpPr>
+          <p:cNvPr id="2" name="제목 1"/>
+          <p:cNvSpPr>
+            <a:spLocks noGrp="1"/>
+          </p:cNvSpPr>
+          <p:nvPr>
+            <p:ph type="title"/>
+          </p:nvPr>
+        </p:nvSpPr>
+        <p:spPr/>
+        <p:txBody>
+          <a:bodyPr/>
+          <a:lstStyle/>
+          <a:p>
+            <a:r>
+              <a:rPr lang="en-US" altLang="ko-KR" dirty="0" smtClean="0"/>
+              <a:t>3. </a:t>
+            </a:r>
+            <a:r>
+              <a:rPr lang="en-US" altLang="ko-KR" dirty="0" err="1" smtClean="0"/>
+              <a:t>WelcomePage</a:t>
+            </a:r>
+            <a:endParaRPr lang="ko-KR" altLang="en-US" dirty="0"/>
+          </a:p>
+        </p:txBody>
+      </p:sp>
+      <p:sp>
+        <p:nvSpPr>
+          <p:cNvPr id="3" name="내용 개체 틀 2"/>
+          <p:cNvSpPr>
+            <a:spLocks noGrp="1"/>
+          </p:cNvSpPr>
+          <p:nvPr>
+            <p:ph idx="1"/>
+          </p:nvPr>
+        </p:nvSpPr>
+        <p:spPr/>
+        <p:txBody>
+          <a:bodyPr/>
+          <a:lstStyle/>
+          <a:p>
+            <a:pPr marL="0" indent="0">
+              <a:buNone/>
+            </a:pPr>
+            <a:r>
+              <a:rPr lang="en-US" altLang="ko-KR" dirty="0" smtClean="0"/>
+              <a:t/>
+            </a:r>
+            <a:br>
+              <a:rPr lang="en-US" altLang="ko-KR" dirty="0" smtClean="0"/>
+            </a:br>
+            <a:r>
+              <a:rPr lang="en-US" altLang="ko-KR" dirty="0" smtClean="0"/>
+              <a:t>(</a:t>
+            </a:r>
+            <a:r>
+              <a:rPr lang="en-US" altLang="ko-KR" dirty="0" err="1" smtClean="0"/>
+              <a:t>thymeleaf</a:t>
+            </a:r>
+            <a:r>
+              <a:rPr lang="en-US" altLang="ko-KR" dirty="0"/>
+              <a:t> </a:t>
+            </a:r>
+            <a:r>
+              <a:rPr lang="ko-KR" altLang="en-US" dirty="0" smtClean="0"/>
+              <a:t>적용 </a:t>
+            </a:r>
+            <a:r>
+              <a:rPr lang="ko-KR" altLang="en-US" dirty="0" err="1" smtClean="0"/>
+              <a:t>안될때</a:t>
+            </a:r>
+            <a:r>
+              <a:rPr lang="en-US" altLang="ko-KR" dirty="0" smtClean="0"/>
+              <a:t>)</a:t>
+            </a:r>
+            <a:br>
+              <a:rPr lang="en-US" altLang="ko-KR" dirty="0" smtClean="0"/>
+            </a:br>
+            <a:r>
+              <a:rPr lang="en-US" altLang="ko-KR" dirty="0" smtClean="0"/>
+              <a:t/>
+            </a:r>
+            <a:br>
+              <a:rPr lang="en-US" altLang="ko-KR" dirty="0" smtClean="0"/>
+            </a:br>
+            <a:r>
+              <a:rPr lang="en-US" altLang="ko-KR" dirty="0" smtClean="0"/>
+              <a:t>https</a:t>
+            </a:r>
+            <a:r>
+              <a:rPr lang="en-US" altLang="ko-KR" dirty="0"/>
+              <a:t>://4whomtbts.tistory.com/60</a:t>
+            </a:r>
+            <a:endParaRPr lang="ko-KR" altLang="en-US" dirty="0"/>
+          </a:p>
+        </p:txBody>
+      </p:sp>
+      <p:pic>
+        <p:nvPicPr>
+          <p:cNvPr id="4" name="그림 3"/>
+          <p:cNvPicPr>
+            <a:picLocks noChangeAspect="1"/>
+          </p:cNvPicPr>
+          <p:nvPr/>
+        </p:nvPicPr>
+        <p:blipFill>
+          <a:blip r:embed="rId2"/>
+          <a:stretch>
+            <a:fillRect/>
+          </a:stretch>
+        </p:blipFill>
+        <p:spPr>
+          <a:xfrm>
+            <a:off x="6292735" y="1890713"/>
+            <a:ext cx="5486400" cy="4286250"/>
+          </a:xfrm>
+          <a:prstGeom prst="rect">
+            <a:avLst/>
+          </a:prstGeom>
+        </p:spPr>
+      </p:pic>
+    </p:spTree>
+    <p:extLst>
+      <p:ext uri="{BB962C8B-B14F-4D97-AF65-F5344CB8AC3E}">
+        <p14:creationId xmlns:p14="http://schemas.microsoft.com/office/powerpoint/2010/main" val="3997896045"/>
+      </p:ext>
+    </p:extLst>
+  </p:cSld>
+  <p:clrMapOvr>
+    <a:masterClrMapping/>
+  </p:clrMapOvr>
+</p:sld>
+</file>
+
 <file path=ppt/slides/slide2.xml><?xml version="1.0" encoding="utf-8"?>
 <p:sld xmlns:a="http://schemas.openxmlformats.org/drawingml/2006/main" xmlns:r="http://schemas.openxmlformats.org/officeDocument/2006/relationships" xmlns:p="http://schemas.openxmlformats.org/presentationml/2006/main">
   <p:cSld>
@@ -4160,6 +4321,451 @@
     <p:extLst>
       <p:ext uri="{BB962C8B-B14F-4D97-AF65-F5344CB8AC3E}">
         <p14:creationId xmlns:p14="http://schemas.microsoft.com/office/powerpoint/2010/main" val="1690150997"/>
+      </p:ext>
+    </p:extLst>
+  </p:cSld>
+  <p:clrMapOvr>
+    <a:masterClrMapping/>
+  </p:clrMapOvr>
+</p:sld>
+</file>
+
+<file path=ppt/slides/slide7.xml><?xml version="1.0" encoding="utf-8"?>
+<p:sld xmlns:a="http://schemas.openxmlformats.org/drawingml/2006/main" xmlns:r="http://schemas.openxmlformats.org/officeDocument/2006/relationships" xmlns:p="http://schemas.openxmlformats.org/presentationml/2006/main">
+  <p:cSld>
+    <p:spTree>
+      <p:nvGrpSpPr>
+        <p:cNvPr id="1" name=""/>
+        <p:cNvGrpSpPr/>
+        <p:nvPr/>
+      </p:nvGrpSpPr>
+      <p:grpSpPr>
+        <a:xfrm>
+          <a:off x="0" y="0"/>
+          <a:ext cx="0" cy="0"/>
+          <a:chOff x="0" y="0"/>
+          <a:chExt cx="0" cy="0"/>
+        </a:xfrm>
+      </p:grpSpPr>
+      <p:sp>
+        <p:nvSpPr>
+          <p:cNvPr id="2" name="제목 1"/>
+          <p:cNvSpPr>
+            <a:spLocks noGrp="1"/>
+          </p:cNvSpPr>
+          <p:nvPr>
+            <p:ph type="title"/>
+          </p:nvPr>
+        </p:nvSpPr>
+        <p:spPr/>
+        <p:txBody>
+          <a:bodyPr/>
+          <a:lstStyle/>
+          <a:p>
+            <a:r>
+              <a:rPr lang="en-US" altLang="ko-KR" dirty="0" smtClean="0"/>
+              <a:t>2</a:t>
+            </a:r>
+            <a:r>
+              <a:rPr lang="ko-KR" altLang="en-US" dirty="0" smtClean="0"/>
+              <a:t>강 </a:t>
+            </a:r>
+            <a:r>
+              <a:rPr lang="en-US" altLang="ko-KR" dirty="0" smtClean="0"/>
+              <a:t>Dependency</a:t>
+            </a:r>
+            <a:endParaRPr lang="ko-KR" altLang="en-US" dirty="0"/>
+          </a:p>
+        </p:txBody>
+      </p:sp>
+      <p:sp>
+        <p:nvSpPr>
+          <p:cNvPr id="3" name="내용 개체 틀 2"/>
+          <p:cNvSpPr>
+            <a:spLocks noGrp="1"/>
+          </p:cNvSpPr>
+          <p:nvPr>
+            <p:ph idx="1"/>
+          </p:nvPr>
+        </p:nvSpPr>
+        <p:spPr/>
+        <p:txBody>
+          <a:bodyPr/>
+          <a:lstStyle/>
+          <a:p>
+            <a:r>
+              <a:rPr lang="en-US" altLang="ko-KR" dirty="0" smtClean="0"/>
+              <a:t>                       </a:t>
+            </a:r>
+            <a:endParaRPr lang="ko-KR" altLang="en-US" dirty="0"/>
+          </a:p>
+        </p:txBody>
+      </p:sp>
+      <p:pic>
+        <p:nvPicPr>
+          <p:cNvPr id="4" name="그림 3"/>
+          <p:cNvPicPr>
+            <a:picLocks noChangeAspect="1"/>
+          </p:cNvPicPr>
+          <p:nvPr/>
+        </p:nvPicPr>
+        <p:blipFill>
+          <a:blip r:embed="rId2"/>
+          <a:stretch>
+            <a:fillRect/>
+          </a:stretch>
+        </p:blipFill>
+        <p:spPr>
+          <a:xfrm>
+            <a:off x="838201" y="1825625"/>
+            <a:ext cx="5787044" cy="2330739"/>
+          </a:xfrm>
+          <a:prstGeom prst="rect">
+            <a:avLst/>
+          </a:prstGeom>
+        </p:spPr>
+      </p:pic>
+      <p:sp>
+        <p:nvSpPr>
+          <p:cNvPr id="6" name="TextBox 5"/>
+          <p:cNvSpPr txBox="1"/>
+          <p:nvPr/>
+        </p:nvSpPr>
+        <p:spPr>
+          <a:xfrm>
+            <a:off x="7340139" y="1825625"/>
+            <a:ext cx="4148049" cy="923330"/>
+          </a:xfrm>
+          <a:prstGeom prst="rect">
+            <a:avLst/>
+          </a:prstGeom>
+          <a:noFill/>
+        </p:spPr>
+        <p:txBody>
+          <a:bodyPr wrap="square" rtlCol="0">
+            <a:spAutoFit/>
+          </a:bodyPr>
+          <a:lstStyle/>
+          <a:p>
+            <a:r>
+              <a:rPr lang="ko-KR" altLang="en-US" dirty="0" smtClean="0"/>
+              <a:t>우리는 기존에 </a:t>
+            </a:r>
+            <a:r>
+              <a:rPr lang="en-US" altLang="ko-KR" dirty="0" smtClean="0"/>
+              <a:t>3</a:t>
+            </a:r>
+            <a:r>
+              <a:rPr lang="ko-KR" altLang="en-US" dirty="0" smtClean="0"/>
+              <a:t>개의 </a:t>
+            </a:r>
+            <a:r>
+              <a:rPr lang="en-US" altLang="ko-KR" dirty="0" smtClean="0"/>
+              <a:t>library</a:t>
+            </a:r>
+            <a:r>
+              <a:rPr lang="ko-KR" altLang="en-US" dirty="0" smtClean="0"/>
+              <a:t>만 설정</a:t>
+            </a:r>
+            <a:r>
+              <a:rPr lang="en-US" altLang="ko-KR" dirty="0" smtClean="0"/>
+              <a:t/>
+            </a:r>
+            <a:br>
+              <a:rPr lang="en-US" altLang="ko-KR" dirty="0" smtClean="0"/>
+            </a:br>
+            <a:r>
+              <a:rPr lang="ko-KR" altLang="en-US" dirty="0" smtClean="0"/>
+              <a:t>아래 들어가보면 여러 개의 </a:t>
+            </a:r>
+            <a:r>
+              <a:rPr lang="en-US" altLang="ko-KR" dirty="0" smtClean="0"/>
+              <a:t>library</a:t>
+            </a:r>
+            <a:r>
+              <a:rPr lang="ko-KR" altLang="en-US" dirty="0" smtClean="0"/>
+              <a:t>존재</a:t>
+            </a:r>
+            <a:r>
+              <a:rPr lang="en-US" altLang="ko-KR" dirty="0" smtClean="0"/>
+              <a:t/>
+            </a:r>
+            <a:br>
+              <a:rPr lang="en-US" altLang="ko-KR" dirty="0" smtClean="0"/>
+            </a:br>
+            <a:r>
+              <a:rPr lang="en-US" altLang="ko-KR" dirty="0" smtClean="0"/>
+              <a:t>(</a:t>
+            </a:r>
+            <a:r>
+              <a:rPr lang="ko-KR" altLang="en-US" dirty="0" smtClean="0"/>
+              <a:t>의존 관계를 관리</a:t>
+            </a:r>
+            <a:r>
+              <a:rPr lang="en-US" altLang="ko-KR" dirty="0" smtClean="0"/>
+              <a:t>)</a:t>
+            </a:r>
+            <a:endParaRPr lang="ko-KR" altLang="en-US" dirty="0"/>
+          </a:p>
+        </p:txBody>
+      </p:sp>
+      <p:pic>
+        <p:nvPicPr>
+          <p:cNvPr id="7" name="그림 6"/>
+          <p:cNvPicPr>
+            <a:picLocks noChangeAspect="1"/>
+          </p:cNvPicPr>
+          <p:nvPr/>
+        </p:nvPicPr>
+        <p:blipFill>
+          <a:blip r:embed="rId3"/>
+          <a:stretch>
+            <a:fillRect/>
+          </a:stretch>
+        </p:blipFill>
+        <p:spPr>
+          <a:xfrm>
+            <a:off x="7522672" y="2990994"/>
+            <a:ext cx="1466850" cy="314325"/>
+          </a:xfrm>
+          <a:prstGeom prst="rect">
+            <a:avLst/>
+          </a:prstGeom>
+        </p:spPr>
+      </p:pic>
+    </p:spTree>
+    <p:extLst>
+      <p:ext uri="{BB962C8B-B14F-4D97-AF65-F5344CB8AC3E}">
+        <p14:creationId xmlns:p14="http://schemas.microsoft.com/office/powerpoint/2010/main" val="1712113623"/>
+      </p:ext>
+    </p:extLst>
+  </p:cSld>
+  <p:clrMapOvr>
+    <a:masterClrMapping/>
+  </p:clrMapOvr>
+</p:sld>
+</file>
+
+<file path=ppt/slides/slide8.xml><?xml version="1.0" encoding="utf-8"?>
+<p:sld xmlns:a="http://schemas.openxmlformats.org/drawingml/2006/main" xmlns:r="http://schemas.openxmlformats.org/officeDocument/2006/relationships" xmlns:p="http://schemas.openxmlformats.org/presentationml/2006/main">
+  <p:cSld>
+    <p:spTree>
+      <p:nvGrpSpPr>
+        <p:cNvPr id="1" name=""/>
+        <p:cNvGrpSpPr/>
+        <p:nvPr/>
+      </p:nvGrpSpPr>
+      <p:grpSpPr>
+        <a:xfrm>
+          <a:off x="0" y="0"/>
+          <a:ext cx="0" cy="0"/>
+          <a:chOff x="0" y="0"/>
+          <a:chExt cx="0" cy="0"/>
+        </a:xfrm>
+      </p:grpSpPr>
+      <p:sp>
+        <p:nvSpPr>
+          <p:cNvPr id="2" name="제목 1"/>
+          <p:cNvSpPr>
+            <a:spLocks noGrp="1"/>
+          </p:cNvSpPr>
+          <p:nvPr>
+            <p:ph type="title"/>
+          </p:nvPr>
+        </p:nvSpPr>
+        <p:spPr/>
+        <p:txBody>
+          <a:bodyPr/>
+          <a:lstStyle/>
+          <a:p>
+            <a:r>
+              <a:rPr lang="en-US" altLang="ko-KR" dirty="0" smtClean="0"/>
+              <a:t>2-1 </a:t>
+            </a:r>
+            <a:r>
+              <a:rPr lang="en-US" altLang="ko-KR" dirty="0" err="1" smtClean="0"/>
+              <a:t>Gradle</a:t>
+            </a:r>
+            <a:r>
+              <a:rPr lang="en-US" altLang="ko-KR" dirty="0" smtClean="0"/>
+              <a:t> </a:t>
+            </a:r>
+            <a:r>
+              <a:rPr lang="ko-KR" altLang="en-US" dirty="0" smtClean="0"/>
+              <a:t>의존성 </a:t>
+            </a:r>
+            <a:r>
+              <a:rPr lang="ko-KR" altLang="en-US" dirty="0" err="1" smtClean="0"/>
+              <a:t>확인법</a:t>
+            </a:r>
+            <a:endParaRPr lang="ko-KR" altLang="en-US" dirty="0"/>
+          </a:p>
+        </p:txBody>
+      </p:sp>
+      <p:sp>
+        <p:nvSpPr>
+          <p:cNvPr id="3" name="내용 개체 틀 2"/>
+          <p:cNvSpPr>
+            <a:spLocks noGrp="1"/>
+          </p:cNvSpPr>
+          <p:nvPr>
+            <p:ph idx="1"/>
+          </p:nvPr>
+        </p:nvSpPr>
+        <p:spPr/>
+        <p:txBody>
+          <a:bodyPr/>
+          <a:lstStyle/>
+          <a:p>
+            <a:endParaRPr lang="ko-KR" altLang="en-US"/>
+          </a:p>
+        </p:txBody>
+      </p:sp>
+      <p:pic>
+        <p:nvPicPr>
+          <p:cNvPr id="4" name="그림 3"/>
+          <p:cNvPicPr>
+            <a:picLocks noChangeAspect="1"/>
+          </p:cNvPicPr>
+          <p:nvPr/>
+        </p:nvPicPr>
+        <p:blipFill>
+          <a:blip r:embed="rId2"/>
+          <a:stretch>
+            <a:fillRect/>
+          </a:stretch>
+        </p:blipFill>
+        <p:spPr>
+          <a:xfrm>
+            <a:off x="838200" y="1833563"/>
+            <a:ext cx="6086475" cy="4343400"/>
+          </a:xfrm>
+          <a:prstGeom prst="rect">
+            <a:avLst/>
+          </a:prstGeom>
+        </p:spPr>
+      </p:pic>
+    </p:spTree>
+    <p:extLst>
+      <p:ext uri="{BB962C8B-B14F-4D97-AF65-F5344CB8AC3E}">
+        <p14:creationId xmlns:p14="http://schemas.microsoft.com/office/powerpoint/2010/main" val="3609840993"/>
+      </p:ext>
+    </p:extLst>
+  </p:cSld>
+  <p:clrMapOvr>
+    <a:masterClrMapping/>
+  </p:clrMapOvr>
+</p:sld>
+</file>
+
+<file path=ppt/slides/slide9.xml><?xml version="1.0" encoding="utf-8"?>
+<p:sld xmlns:a="http://schemas.openxmlformats.org/drawingml/2006/main" xmlns:r="http://schemas.openxmlformats.org/officeDocument/2006/relationships" xmlns:p="http://schemas.openxmlformats.org/presentationml/2006/main">
+  <p:cSld>
+    <p:spTree>
+      <p:nvGrpSpPr>
+        <p:cNvPr id="1" name=""/>
+        <p:cNvGrpSpPr/>
+        <p:nvPr/>
+      </p:nvGrpSpPr>
+      <p:grpSpPr>
+        <a:xfrm>
+          <a:off x="0" y="0"/>
+          <a:ext cx="0" cy="0"/>
+          <a:chOff x="0" y="0"/>
+          <a:chExt cx="0" cy="0"/>
+        </a:xfrm>
+      </p:grpSpPr>
+      <p:sp>
+        <p:nvSpPr>
+          <p:cNvPr id="2" name="제목 1"/>
+          <p:cNvSpPr>
+            <a:spLocks noGrp="1"/>
+          </p:cNvSpPr>
+          <p:nvPr>
+            <p:ph type="title"/>
+          </p:nvPr>
+        </p:nvSpPr>
+        <p:spPr/>
+        <p:txBody>
+          <a:bodyPr/>
+          <a:lstStyle/>
+          <a:p>
+            <a:r>
+              <a:rPr lang="en-US" altLang="ko-KR" dirty="0" smtClean="0"/>
+              <a:t>2-2 </a:t>
+            </a:r>
+            <a:r>
+              <a:rPr lang="en-US" altLang="ko-KR" dirty="0" err="1" smtClean="0"/>
+              <a:t>Logback</a:t>
+            </a:r>
+            <a:r>
+              <a:rPr lang="en-US" altLang="ko-KR" dirty="0" smtClean="0"/>
+              <a:t> / slf4j</a:t>
+            </a:r>
+            <a:endParaRPr lang="ko-KR" altLang="en-US" dirty="0"/>
+          </a:p>
+        </p:txBody>
+      </p:sp>
+      <p:pic>
+        <p:nvPicPr>
+          <p:cNvPr id="4" name="내용 개체 틀 3"/>
+          <p:cNvPicPr>
+            <a:picLocks noGrp="1" noChangeAspect="1"/>
+          </p:cNvPicPr>
+          <p:nvPr>
+            <p:ph idx="1"/>
+          </p:nvPr>
+        </p:nvPicPr>
+        <p:blipFill>
+          <a:blip r:embed="rId2"/>
+          <a:stretch>
+            <a:fillRect/>
+          </a:stretch>
+        </p:blipFill>
+        <p:spPr>
+          <a:xfrm>
+            <a:off x="838200" y="1812103"/>
+            <a:ext cx="4638675" cy="3181350"/>
+          </a:xfrm>
+          <a:prstGeom prst="rect">
+            <a:avLst/>
+          </a:prstGeom>
+        </p:spPr>
+      </p:pic>
+      <p:sp>
+        <p:nvSpPr>
+          <p:cNvPr id="5" name="TextBox 4"/>
+          <p:cNvSpPr txBox="1"/>
+          <p:nvPr/>
+        </p:nvSpPr>
+        <p:spPr>
+          <a:xfrm>
+            <a:off x="5785658" y="2003367"/>
+            <a:ext cx="1554480" cy="369332"/>
+          </a:xfrm>
+          <a:prstGeom prst="rect">
+            <a:avLst/>
+          </a:prstGeom>
+          <a:noFill/>
+        </p:spPr>
+        <p:txBody>
+          <a:bodyPr wrap="square" rtlCol="0">
+            <a:spAutoFit/>
+          </a:bodyPr>
+          <a:lstStyle/>
+          <a:p>
+            <a:r>
+              <a:rPr lang="ko-KR" altLang="en-US" dirty="0" err="1" smtClean="0"/>
+              <a:t>ㅇ</a:t>
+            </a:r>
+            <a:endParaRPr lang="ko-KR" altLang="en-US" dirty="0"/>
+          </a:p>
+        </p:txBody>
+      </p:sp>
+    </p:spTree>
+    <p:extLst>
+      <p:ext uri="{BB962C8B-B14F-4D97-AF65-F5344CB8AC3E}">
+        <p14:creationId xmlns:p14="http://schemas.microsoft.com/office/powerpoint/2010/main" val="2551589887"/>
       </p:ext>
     </p:extLst>
   </p:cSld>

--- a/Spring-basic.pptx
+++ b/Spring-basic.pptx
@@ -15,6 +15,16 @@
     <p:sldId id="263" r:id="rId9"/>
     <p:sldId id="264" r:id="rId10"/>
     <p:sldId id="265" r:id="rId11"/>
+    <p:sldId id="266" r:id="rId12"/>
+    <p:sldId id="267" r:id="rId13"/>
+    <p:sldId id="268" r:id="rId14"/>
+    <p:sldId id="269" r:id="rId15"/>
+    <p:sldId id="270" r:id="rId16"/>
+    <p:sldId id="271" r:id="rId17"/>
+    <p:sldId id="272" r:id="rId18"/>
+    <p:sldId id="273" r:id="rId19"/>
+    <p:sldId id="274" r:id="rId20"/>
+    <p:sldId id="275" r:id="rId21"/>
   </p:sldIdLst>
   <p:sldSz cx="12192000" cy="6858000"/>
   <p:notesSz cx="6858000" cy="9144000"/>
@@ -3067,7 +3077,11 @@
           <a:p>
             <a:r>
               <a:rPr lang="en-US" altLang="ko-KR" dirty="0" smtClean="0"/>
-              <a:t>3. </a:t>
+              <a:t>2-3</a:t>
+            </a:r>
+            <a:r>
+              <a:rPr lang="en-US" altLang="ko-KR" dirty="0" smtClean="0"/>
+              <a:t>. </a:t>
             </a:r>
             <a:r>
               <a:rPr lang="en-US" altLang="ko-KR" dirty="0" err="1" smtClean="0"/>
@@ -3176,6 +3190,1408 @@
     <p:extLst>
       <p:ext uri="{BB962C8B-B14F-4D97-AF65-F5344CB8AC3E}">
         <p14:creationId xmlns:p14="http://schemas.microsoft.com/office/powerpoint/2010/main" val="3997896045"/>
+      </p:ext>
+    </p:extLst>
+  </p:cSld>
+  <p:clrMapOvr>
+    <a:masterClrMapping/>
+  </p:clrMapOvr>
+</p:sld>
+</file>
+
+<file path=ppt/slides/slide11.xml><?xml version="1.0" encoding="utf-8"?>
+<p:sld xmlns:a="http://schemas.openxmlformats.org/drawingml/2006/main" xmlns:r="http://schemas.openxmlformats.org/officeDocument/2006/relationships" xmlns:p="http://schemas.openxmlformats.org/presentationml/2006/main">
+  <p:cSld>
+    <p:spTree>
+      <p:nvGrpSpPr>
+        <p:cNvPr id="1" name=""/>
+        <p:cNvGrpSpPr/>
+        <p:nvPr/>
+      </p:nvGrpSpPr>
+      <p:grpSpPr>
+        <a:xfrm>
+          <a:off x="0" y="0"/>
+          <a:ext cx="0" cy="0"/>
+          <a:chOff x="0" y="0"/>
+          <a:chExt cx="0" cy="0"/>
+        </a:xfrm>
+      </p:grpSpPr>
+      <p:sp>
+        <p:nvSpPr>
+          <p:cNvPr id="2" name="제목 1"/>
+          <p:cNvSpPr>
+            <a:spLocks noGrp="1"/>
+          </p:cNvSpPr>
+          <p:nvPr>
+            <p:ph type="title"/>
+          </p:nvPr>
+        </p:nvSpPr>
+        <p:spPr/>
+        <p:txBody>
+          <a:bodyPr/>
+          <a:lstStyle/>
+          <a:p>
+            <a:r>
+              <a:rPr lang="en-US" altLang="ko-KR" dirty="0" smtClean="0"/>
+              <a:t>2-4. Build </a:t>
+            </a:r>
+            <a:r>
+              <a:rPr lang="ko-KR" altLang="en-US" dirty="0" smtClean="0"/>
+              <a:t>및 </a:t>
+            </a:r>
+            <a:r>
+              <a:rPr lang="ko-KR" altLang="en-US" dirty="0" err="1" smtClean="0"/>
+              <a:t>베포</a:t>
+            </a:r>
+            <a:endParaRPr lang="ko-KR" altLang="en-US" dirty="0"/>
+          </a:p>
+        </p:txBody>
+      </p:sp>
+      <p:pic>
+        <p:nvPicPr>
+          <p:cNvPr id="4" name="내용 개체 틀 3"/>
+          <p:cNvPicPr>
+            <a:picLocks noGrp="1" noChangeAspect="1"/>
+          </p:cNvPicPr>
+          <p:nvPr>
+            <p:ph idx="1"/>
+          </p:nvPr>
+        </p:nvPicPr>
+        <p:blipFill>
+          <a:blip r:embed="rId2"/>
+          <a:stretch>
+            <a:fillRect/>
+          </a:stretch>
+        </p:blipFill>
+        <p:spPr>
+          <a:xfrm>
+            <a:off x="838200" y="1690688"/>
+            <a:ext cx="6269669" cy="4351338"/>
+          </a:xfrm>
+          <a:prstGeom prst="rect">
+            <a:avLst/>
+          </a:prstGeom>
+        </p:spPr>
+      </p:pic>
+    </p:spTree>
+    <p:extLst>
+      <p:ext uri="{BB962C8B-B14F-4D97-AF65-F5344CB8AC3E}">
+        <p14:creationId xmlns:p14="http://schemas.microsoft.com/office/powerpoint/2010/main" val="1914693811"/>
+      </p:ext>
+    </p:extLst>
+  </p:cSld>
+  <p:clrMapOvr>
+    <a:masterClrMapping/>
+  </p:clrMapOvr>
+</p:sld>
+</file>
+
+<file path=ppt/slides/slide12.xml><?xml version="1.0" encoding="utf-8"?>
+<p:sld xmlns:a="http://schemas.openxmlformats.org/drawingml/2006/main" xmlns:r="http://schemas.openxmlformats.org/officeDocument/2006/relationships" xmlns:p="http://schemas.openxmlformats.org/presentationml/2006/main">
+  <p:cSld>
+    <p:spTree>
+      <p:nvGrpSpPr>
+        <p:cNvPr id="1" name=""/>
+        <p:cNvGrpSpPr/>
+        <p:nvPr/>
+      </p:nvGrpSpPr>
+      <p:grpSpPr>
+        <a:xfrm>
+          <a:off x="0" y="0"/>
+          <a:ext cx="0" cy="0"/>
+          <a:chOff x="0" y="0"/>
+          <a:chExt cx="0" cy="0"/>
+        </a:xfrm>
+      </p:grpSpPr>
+      <p:sp>
+        <p:nvSpPr>
+          <p:cNvPr id="2" name="제목 1"/>
+          <p:cNvSpPr>
+            <a:spLocks noGrp="1"/>
+          </p:cNvSpPr>
+          <p:nvPr>
+            <p:ph type="title"/>
+          </p:nvPr>
+        </p:nvSpPr>
+        <p:spPr/>
+        <p:txBody>
+          <a:bodyPr/>
+          <a:lstStyle/>
+          <a:p>
+            <a:r>
+              <a:rPr lang="en-US" altLang="ko-KR" dirty="0" smtClean="0"/>
+              <a:t>3-1. </a:t>
+            </a:r>
+            <a:r>
+              <a:rPr lang="ko-KR" altLang="en-US" dirty="0" smtClean="0"/>
+              <a:t>정적 컨텐츠</a:t>
+            </a:r>
+            <a:endParaRPr lang="ko-KR" altLang="en-US" dirty="0"/>
+          </a:p>
+        </p:txBody>
+      </p:sp>
+      <p:pic>
+        <p:nvPicPr>
+          <p:cNvPr id="4" name="내용 개체 틀 3"/>
+          <p:cNvPicPr>
+            <a:picLocks noGrp="1" noChangeAspect="1"/>
+          </p:cNvPicPr>
+          <p:nvPr>
+            <p:ph idx="1"/>
+          </p:nvPr>
+        </p:nvPicPr>
+        <p:blipFill>
+          <a:blip r:embed="rId2"/>
+          <a:stretch>
+            <a:fillRect/>
+          </a:stretch>
+        </p:blipFill>
+        <p:spPr>
+          <a:xfrm>
+            <a:off x="838200" y="1690688"/>
+            <a:ext cx="4985908" cy="4351338"/>
+          </a:xfrm>
+          <a:prstGeom prst="rect">
+            <a:avLst/>
+          </a:prstGeom>
+        </p:spPr>
+      </p:pic>
+      <p:sp>
+        <p:nvSpPr>
+          <p:cNvPr id="5" name="TextBox 4"/>
+          <p:cNvSpPr txBox="1"/>
+          <p:nvPr/>
+        </p:nvSpPr>
+        <p:spPr>
+          <a:xfrm>
+            <a:off x="6550429" y="2481362"/>
+            <a:ext cx="3591098" cy="923330"/>
+          </a:xfrm>
+          <a:prstGeom prst="rect">
+            <a:avLst/>
+          </a:prstGeom>
+          <a:noFill/>
+        </p:spPr>
+        <p:txBody>
+          <a:bodyPr wrap="square" rtlCol="0">
+            <a:spAutoFit/>
+          </a:bodyPr>
+          <a:lstStyle/>
+          <a:p>
+            <a:r>
+              <a:rPr lang="en-US" altLang="ko-KR" dirty="0" smtClean="0"/>
+              <a:t>MVC  ,</a:t>
+            </a:r>
+            <a:r>
+              <a:rPr lang="ko-KR" altLang="en-US" dirty="0" err="1" smtClean="0"/>
+              <a:t>템플릿엔진</a:t>
+            </a:r>
+            <a:r>
+              <a:rPr lang="ko-KR" altLang="en-US" dirty="0" smtClean="0"/>
+              <a:t> </a:t>
+            </a:r>
+            <a:r>
+              <a:rPr lang="en-US" altLang="ko-KR" dirty="0" smtClean="0"/>
+              <a:t>: </a:t>
+            </a:r>
+            <a:r>
+              <a:rPr lang="ko-KR" altLang="en-US" dirty="0" smtClean="0"/>
+              <a:t>동적으로 내림 </a:t>
+            </a:r>
+            <a:r>
+              <a:rPr lang="en-US" altLang="ko-KR" dirty="0" smtClean="0"/>
+              <a:t>ex ) </a:t>
+            </a:r>
+            <a:r>
+              <a:rPr lang="en-US" altLang="ko-KR" dirty="0" err="1" smtClean="0"/>
+              <a:t>php</a:t>
+            </a:r>
+            <a:r>
+              <a:rPr lang="en-US" altLang="ko-KR" dirty="0" smtClean="0"/>
+              <a:t> </a:t>
+            </a:r>
+            <a:br>
+              <a:rPr lang="en-US" altLang="ko-KR" dirty="0" smtClean="0"/>
+            </a:br>
+            <a:r>
+              <a:rPr lang="en-US" altLang="ko-KR" dirty="0" smtClean="0"/>
+              <a:t> &gt; controller, model , view</a:t>
+            </a:r>
+            <a:endParaRPr lang="ko-KR" altLang="en-US" dirty="0"/>
+          </a:p>
+        </p:txBody>
+      </p:sp>
+      <p:sp>
+        <p:nvSpPr>
+          <p:cNvPr id="6" name="TextBox 5"/>
+          <p:cNvSpPr txBox="1"/>
+          <p:nvPr/>
+        </p:nvSpPr>
+        <p:spPr>
+          <a:xfrm>
+            <a:off x="6550429" y="1411791"/>
+            <a:ext cx="4048298" cy="646331"/>
+          </a:xfrm>
+          <a:prstGeom prst="rect">
+            <a:avLst/>
+          </a:prstGeom>
+          <a:noFill/>
+        </p:spPr>
+        <p:txBody>
+          <a:bodyPr wrap="square" rtlCol="0">
+            <a:spAutoFit/>
+          </a:bodyPr>
+          <a:lstStyle/>
+          <a:p>
+            <a:r>
+              <a:rPr lang="ko-KR" altLang="en-US" dirty="0" err="1" smtClean="0"/>
+              <a:t>정적컨텐츠</a:t>
+            </a:r>
+            <a:r>
+              <a:rPr lang="ko-KR" altLang="en-US" dirty="0" smtClean="0"/>
+              <a:t> </a:t>
+            </a:r>
+            <a:r>
+              <a:rPr lang="en-US" altLang="ko-KR" dirty="0" smtClean="0"/>
+              <a:t>: </a:t>
+            </a:r>
+            <a:r>
+              <a:rPr lang="ko-KR" altLang="en-US" dirty="0" smtClean="0"/>
+              <a:t>파일을 그대로 </a:t>
+            </a:r>
+            <a:r>
+              <a:rPr lang="ko-KR" altLang="en-US" dirty="0" err="1" smtClean="0"/>
+              <a:t>내려줌</a:t>
+            </a:r>
+            <a:r>
+              <a:rPr lang="en-US" altLang="ko-KR" dirty="0" smtClean="0"/>
+              <a:t/>
+            </a:r>
+            <a:br>
+              <a:rPr lang="en-US" altLang="ko-KR" dirty="0" smtClean="0"/>
+            </a:br>
+            <a:r>
+              <a:rPr lang="en-US" altLang="ko-KR" dirty="0" smtClean="0"/>
+              <a:t> </a:t>
+            </a:r>
+            <a:endParaRPr lang="ko-KR" altLang="en-US" dirty="0"/>
+          </a:p>
+        </p:txBody>
+      </p:sp>
+      <p:sp>
+        <p:nvSpPr>
+          <p:cNvPr id="7" name="TextBox 6"/>
+          <p:cNvSpPr txBox="1"/>
+          <p:nvPr/>
+        </p:nvSpPr>
+        <p:spPr>
+          <a:xfrm>
+            <a:off x="6550429" y="4058009"/>
+            <a:ext cx="4048298" cy="923330"/>
+          </a:xfrm>
+          <a:prstGeom prst="rect">
+            <a:avLst/>
+          </a:prstGeom>
+          <a:noFill/>
+        </p:spPr>
+        <p:txBody>
+          <a:bodyPr wrap="square" rtlCol="0">
+            <a:spAutoFit/>
+          </a:bodyPr>
+          <a:lstStyle/>
+          <a:p>
+            <a:r>
+              <a:rPr lang="en-US" altLang="ko-KR" dirty="0" smtClean="0"/>
+              <a:t>API</a:t>
+            </a:r>
+            <a:r>
+              <a:rPr lang="ko-KR" altLang="en-US" dirty="0" smtClean="0"/>
+              <a:t> </a:t>
+            </a:r>
+            <a:r>
+              <a:rPr lang="en-US" altLang="ko-KR" dirty="0" smtClean="0"/>
+              <a:t>: JSON data format</a:t>
+            </a:r>
+            <a:r>
+              <a:rPr lang="ko-KR" altLang="en-US" dirty="0" smtClean="0"/>
+              <a:t>으로 </a:t>
+            </a:r>
+            <a:r>
+              <a:rPr lang="en-US" altLang="ko-KR" dirty="0" smtClean="0"/>
+              <a:t>client</a:t>
+            </a:r>
+            <a:r>
+              <a:rPr lang="ko-KR" altLang="en-US" dirty="0" smtClean="0"/>
+              <a:t>에게 전달 </a:t>
+            </a:r>
+            <a:r>
+              <a:rPr lang="en-US" altLang="ko-KR" dirty="0" smtClean="0"/>
+              <a:t>, </a:t>
+            </a:r>
+            <a:r>
+              <a:rPr lang="ko-KR" altLang="en-US" dirty="0" err="1" smtClean="0"/>
+              <a:t>서버끼리</a:t>
+            </a:r>
+            <a:r>
+              <a:rPr lang="ko-KR" altLang="en-US" dirty="0" smtClean="0"/>
+              <a:t> </a:t>
+            </a:r>
+            <a:r>
+              <a:rPr lang="en-US" altLang="ko-KR" dirty="0" smtClean="0"/>
+              <a:t>data </a:t>
+            </a:r>
+            <a:r>
+              <a:rPr lang="ko-KR" altLang="en-US" dirty="0" err="1" smtClean="0"/>
+              <a:t>전송시</a:t>
+            </a:r>
+            <a:r>
+              <a:rPr lang="en-US" altLang="ko-KR" dirty="0" smtClean="0"/>
+              <a:t/>
+            </a:r>
+            <a:br>
+              <a:rPr lang="en-US" altLang="ko-KR" dirty="0" smtClean="0"/>
+            </a:br>
+            <a:r>
+              <a:rPr lang="en-US" altLang="ko-KR" dirty="0" smtClean="0"/>
+              <a:t> </a:t>
+            </a:r>
+            <a:endParaRPr lang="ko-KR" altLang="en-US" dirty="0"/>
+          </a:p>
+        </p:txBody>
+      </p:sp>
+    </p:spTree>
+    <p:extLst>
+      <p:ext uri="{BB962C8B-B14F-4D97-AF65-F5344CB8AC3E}">
+        <p14:creationId xmlns:p14="http://schemas.microsoft.com/office/powerpoint/2010/main" val="3502990986"/>
+      </p:ext>
+    </p:extLst>
+  </p:cSld>
+  <p:clrMapOvr>
+    <a:masterClrMapping/>
+  </p:clrMapOvr>
+</p:sld>
+</file>
+
+<file path=ppt/slides/slide13.xml><?xml version="1.0" encoding="utf-8"?>
+<p:sld xmlns:a="http://schemas.openxmlformats.org/drawingml/2006/main" xmlns:r="http://schemas.openxmlformats.org/officeDocument/2006/relationships" xmlns:p="http://schemas.openxmlformats.org/presentationml/2006/main">
+  <p:cSld>
+    <p:spTree>
+      <p:nvGrpSpPr>
+        <p:cNvPr id="1" name=""/>
+        <p:cNvGrpSpPr/>
+        <p:nvPr/>
+      </p:nvGrpSpPr>
+      <p:grpSpPr>
+        <a:xfrm>
+          <a:off x="0" y="0"/>
+          <a:ext cx="0" cy="0"/>
+          <a:chOff x="0" y="0"/>
+          <a:chExt cx="0" cy="0"/>
+        </a:xfrm>
+      </p:grpSpPr>
+      <p:sp>
+        <p:nvSpPr>
+          <p:cNvPr id="2" name="제목 1"/>
+          <p:cNvSpPr>
+            <a:spLocks noGrp="1"/>
+          </p:cNvSpPr>
+          <p:nvPr>
+            <p:ph type="title"/>
+          </p:nvPr>
+        </p:nvSpPr>
+        <p:spPr/>
+        <p:txBody>
+          <a:bodyPr/>
+          <a:lstStyle/>
+          <a:p>
+            <a:r>
+              <a:rPr lang="ko-KR" altLang="en-US" dirty="0"/>
+              <a:t>정적 컨텐츠</a:t>
+            </a:r>
+          </a:p>
+        </p:txBody>
+      </p:sp>
+      <p:pic>
+        <p:nvPicPr>
+          <p:cNvPr id="4" name="내용 개체 틀 3"/>
+          <p:cNvPicPr>
+            <a:picLocks noGrp="1" noChangeAspect="1"/>
+          </p:cNvPicPr>
+          <p:nvPr>
+            <p:ph idx="1"/>
+          </p:nvPr>
+        </p:nvPicPr>
+        <p:blipFill>
+          <a:blip r:embed="rId2"/>
+          <a:stretch>
+            <a:fillRect/>
+          </a:stretch>
+        </p:blipFill>
+        <p:spPr>
+          <a:xfrm>
+            <a:off x="838200" y="1856887"/>
+            <a:ext cx="7375769" cy="4351338"/>
+          </a:xfrm>
+          <a:prstGeom prst="rect">
+            <a:avLst/>
+          </a:prstGeom>
+        </p:spPr>
+      </p:pic>
+    </p:spTree>
+    <p:extLst>
+      <p:ext uri="{BB962C8B-B14F-4D97-AF65-F5344CB8AC3E}">
+        <p14:creationId xmlns:p14="http://schemas.microsoft.com/office/powerpoint/2010/main" val="149121800"/>
+      </p:ext>
+    </p:extLst>
+  </p:cSld>
+  <p:clrMapOvr>
+    <a:masterClrMapping/>
+  </p:clrMapOvr>
+</p:sld>
+</file>
+
+<file path=ppt/slides/slide14.xml><?xml version="1.0" encoding="utf-8"?>
+<p:sld xmlns:a="http://schemas.openxmlformats.org/drawingml/2006/main" xmlns:r="http://schemas.openxmlformats.org/officeDocument/2006/relationships" xmlns:p="http://schemas.openxmlformats.org/presentationml/2006/main">
+  <p:cSld>
+    <p:spTree>
+      <p:nvGrpSpPr>
+        <p:cNvPr id="1" name=""/>
+        <p:cNvGrpSpPr/>
+        <p:nvPr/>
+      </p:nvGrpSpPr>
+      <p:grpSpPr>
+        <a:xfrm>
+          <a:off x="0" y="0"/>
+          <a:ext cx="0" cy="0"/>
+          <a:chOff x="0" y="0"/>
+          <a:chExt cx="0" cy="0"/>
+        </a:xfrm>
+      </p:grpSpPr>
+      <p:sp>
+        <p:nvSpPr>
+          <p:cNvPr id="2" name="제목 1"/>
+          <p:cNvSpPr>
+            <a:spLocks noGrp="1"/>
+          </p:cNvSpPr>
+          <p:nvPr>
+            <p:ph type="title"/>
+          </p:nvPr>
+        </p:nvSpPr>
+        <p:spPr/>
+        <p:txBody>
+          <a:bodyPr/>
+          <a:lstStyle/>
+          <a:p>
+            <a:r>
+              <a:rPr lang="en-US" altLang="ko-KR" dirty="0" smtClean="0"/>
+              <a:t>3-2 MVC</a:t>
+            </a:r>
+            <a:r>
+              <a:rPr lang="ko-KR" altLang="en-US" dirty="0" smtClean="0"/>
+              <a:t>와 템플릿 엔진</a:t>
+            </a:r>
+            <a:endParaRPr lang="ko-KR" altLang="en-US" dirty="0"/>
+          </a:p>
+        </p:txBody>
+      </p:sp>
+      <p:sp>
+        <p:nvSpPr>
+          <p:cNvPr id="3" name="내용 개체 틀 2"/>
+          <p:cNvSpPr>
+            <a:spLocks noGrp="1"/>
+          </p:cNvSpPr>
+          <p:nvPr>
+            <p:ph idx="1"/>
+          </p:nvPr>
+        </p:nvSpPr>
+        <p:spPr/>
+        <p:txBody>
+          <a:bodyPr/>
+          <a:lstStyle/>
+          <a:p>
+            <a:pPr marL="0" indent="0">
+              <a:buNone/>
+            </a:pPr>
+            <a:r>
+              <a:rPr lang="en-US" altLang="ko-KR" dirty="0" smtClean="0"/>
+              <a:t> MVC -  Model, View, Controller</a:t>
+            </a:r>
+            <a:endParaRPr lang="ko-KR" altLang="en-US" dirty="0"/>
+          </a:p>
+        </p:txBody>
+      </p:sp>
+      <p:pic>
+        <p:nvPicPr>
+          <p:cNvPr id="4" name="그림 3"/>
+          <p:cNvPicPr>
+            <a:picLocks noChangeAspect="1"/>
+          </p:cNvPicPr>
+          <p:nvPr/>
+        </p:nvPicPr>
+        <p:blipFill>
+          <a:blip r:embed="rId2"/>
+          <a:stretch>
+            <a:fillRect/>
+          </a:stretch>
+        </p:blipFill>
+        <p:spPr>
+          <a:xfrm>
+            <a:off x="1007941" y="2705100"/>
+            <a:ext cx="4095750" cy="1447800"/>
+          </a:xfrm>
+          <a:prstGeom prst="rect">
+            <a:avLst/>
+          </a:prstGeom>
+        </p:spPr>
+      </p:pic>
+      <p:sp>
+        <p:nvSpPr>
+          <p:cNvPr id="5" name="TextBox 4"/>
+          <p:cNvSpPr txBox="1"/>
+          <p:nvPr/>
+        </p:nvSpPr>
+        <p:spPr>
+          <a:xfrm>
+            <a:off x="5564554" y="2446215"/>
+            <a:ext cx="4876800" cy="923330"/>
+          </a:xfrm>
+          <a:prstGeom prst="rect">
+            <a:avLst/>
+          </a:prstGeom>
+          <a:noFill/>
+        </p:spPr>
+        <p:txBody>
+          <a:bodyPr wrap="square" rtlCol="0">
+            <a:spAutoFit/>
+          </a:bodyPr>
+          <a:lstStyle/>
+          <a:p>
+            <a:r>
+              <a:rPr lang="en-US" altLang="ko-KR" dirty="0" smtClean="0"/>
+              <a:t>1</a:t>
+            </a:r>
+            <a:r>
+              <a:rPr lang="ko-KR" altLang="en-US" dirty="0" smtClean="0"/>
+              <a:t>번의 경우 </a:t>
+            </a:r>
+            <a:r>
+              <a:rPr lang="en-US" altLang="ko-KR" dirty="0" smtClean="0"/>
+              <a:t>template</a:t>
+            </a:r>
+            <a:r>
+              <a:rPr lang="ko-KR" altLang="en-US" dirty="0" smtClean="0"/>
+              <a:t>엔진 반영 </a:t>
+            </a:r>
+            <a:r>
+              <a:rPr lang="en-US" altLang="ko-KR" dirty="0" smtClean="0"/>
+              <a:t>(2</a:t>
+            </a:r>
+            <a:r>
+              <a:rPr lang="ko-KR" altLang="en-US" dirty="0" smtClean="0"/>
+              <a:t>번 </a:t>
+            </a:r>
+            <a:r>
+              <a:rPr lang="ko-KR" altLang="en-US" dirty="0" err="1" smtClean="0"/>
+              <a:t>미출력</a:t>
+            </a:r>
+            <a:r>
+              <a:rPr lang="en-US" altLang="ko-KR" dirty="0" smtClean="0"/>
+              <a:t>)</a:t>
+            </a:r>
+            <a:br>
+              <a:rPr lang="en-US" altLang="ko-KR" dirty="0" smtClean="0"/>
+            </a:br>
+            <a:r>
+              <a:rPr lang="en-US" altLang="ko-KR" dirty="0" smtClean="0"/>
+              <a:t>2</a:t>
+            </a:r>
+            <a:r>
+              <a:rPr lang="ko-KR" altLang="en-US" dirty="0" smtClean="0"/>
+              <a:t>번의 경우 </a:t>
+            </a:r>
+            <a:r>
+              <a:rPr lang="ko-KR" altLang="en-US" dirty="0" err="1" smtClean="0"/>
+              <a:t>절대경로로</a:t>
+            </a:r>
+            <a:r>
+              <a:rPr lang="ko-KR" altLang="en-US" dirty="0" smtClean="0"/>
+              <a:t> </a:t>
+            </a:r>
+            <a:r>
+              <a:rPr lang="ko-KR" altLang="en-US" dirty="0" err="1" smtClean="0"/>
+              <a:t>실행시킬시</a:t>
+            </a:r>
+            <a:r>
+              <a:rPr lang="ko-KR" altLang="en-US" dirty="0" smtClean="0"/>
+              <a:t> 출력</a:t>
+            </a:r>
+            <a:r>
+              <a:rPr lang="en-US" altLang="ko-KR" dirty="0" smtClean="0"/>
+              <a:t/>
+            </a:r>
+            <a:br>
+              <a:rPr lang="en-US" altLang="ko-KR" dirty="0" smtClean="0"/>
+            </a:br>
+            <a:endParaRPr lang="ko-KR" altLang="en-US" dirty="0"/>
+          </a:p>
+        </p:txBody>
+      </p:sp>
+    </p:spTree>
+    <p:extLst>
+      <p:ext uri="{BB962C8B-B14F-4D97-AF65-F5344CB8AC3E}">
+        <p14:creationId xmlns:p14="http://schemas.microsoft.com/office/powerpoint/2010/main" val="3574535366"/>
+      </p:ext>
+    </p:extLst>
+  </p:cSld>
+  <p:clrMapOvr>
+    <a:masterClrMapping/>
+  </p:clrMapOvr>
+</p:sld>
+</file>
+
+<file path=ppt/slides/slide15.xml><?xml version="1.0" encoding="utf-8"?>
+<p:sld xmlns:a="http://schemas.openxmlformats.org/drawingml/2006/main" xmlns:r="http://schemas.openxmlformats.org/officeDocument/2006/relationships" xmlns:p="http://schemas.openxmlformats.org/presentationml/2006/main">
+  <p:cSld>
+    <p:spTree>
+      <p:nvGrpSpPr>
+        <p:cNvPr id="1" name=""/>
+        <p:cNvGrpSpPr/>
+        <p:nvPr/>
+      </p:nvGrpSpPr>
+      <p:grpSpPr>
+        <a:xfrm>
+          <a:off x="0" y="0"/>
+          <a:ext cx="0" cy="0"/>
+          <a:chOff x="0" y="0"/>
+          <a:chExt cx="0" cy="0"/>
+        </a:xfrm>
+      </p:grpSpPr>
+      <p:sp>
+        <p:nvSpPr>
+          <p:cNvPr id="2" name="제목 1"/>
+          <p:cNvSpPr>
+            <a:spLocks noGrp="1"/>
+          </p:cNvSpPr>
+          <p:nvPr>
+            <p:ph type="title"/>
+          </p:nvPr>
+        </p:nvSpPr>
+        <p:spPr/>
+        <p:txBody>
+          <a:bodyPr/>
+          <a:lstStyle/>
+          <a:p>
+            <a:r>
+              <a:rPr lang="en-US" altLang="ko-KR" dirty="0" smtClean="0"/>
+              <a:t>3-2 Controller , </a:t>
+            </a:r>
+            <a:r>
+              <a:rPr lang="en-US" altLang="ko-KR" dirty="0" err="1" smtClean="0"/>
+              <a:t>url</a:t>
+            </a:r>
+            <a:endParaRPr lang="ko-KR" altLang="en-US" dirty="0"/>
+          </a:p>
+        </p:txBody>
+      </p:sp>
+      <p:sp>
+        <p:nvSpPr>
+          <p:cNvPr id="3" name="내용 개체 틀 2"/>
+          <p:cNvSpPr>
+            <a:spLocks noGrp="1"/>
+          </p:cNvSpPr>
+          <p:nvPr>
+            <p:ph idx="1"/>
+          </p:nvPr>
+        </p:nvSpPr>
+        <p:spPr/>
+        <p:txBody>
+          <a:bodyPr/>
+          <a:lstStyle/>
+          <a:p>
+            <a:endParaRPr lang="ko-KR" altLang="en-US"/>
+          </a:p>
+        </p:txBody>
+      </p:sp>
+      <p:pic>
+        <p:nvPicPr>
+          <p:cNvPr id="4" name="그림 3"/>
+          <p:cNvPicPr>
+            <a:picLocks noChangeAspect="1"/>
+          </p:cNvPicPr>
+          <p:nvPr/>
+        </p:nvPicPr>
+        <p:blipFill>
+          <a:blip r:embed="rId2"/>
+          <a:stretch>
+            <a:fillRect/>
+          </a:stretch>
+        </p:blipFill>
+        <p:spPr>
+          <a:xfrm>
+            <a:off x="838200" y="1825625"/>
+            <a:ext cx="6048375" cy="1333500"/>
+          </a:xfrm>
+          <a:prstGeom prst="rect">
+            <a:avLst/>
+          </a:prstGeom>
+        </p:spPr>
+      </p:pic>
+      <p:sp>
+        <p:nvSpPr>
+          <p:cNvPr id="5" name="TextBox 4"/>
+          <p:cNvSpPr txBox="1"/>
+          <p:nvPr/>
+        </p:nvSpPr>
+        <p:spPr>
+          <a:xfrm>
+            <a:off x="7096370" y="1953846"/>
+            <a:ext cx="3962400" cy="923330"/>
+          </a:xfrm>
+          <a:prstGeom prst="rect">
+            <a:avLst/>
+          </a:prstGeom>
+          <a:noFill/>
+        </p:spPr>
+        <p:txBody>
+          <a:bodyPr wrap="square" rtlCol="0">
+            <a:spAutoFit/>
+          </a:bodyPr>
+          <a:lstStyle/>
+          <a:p>
+            <a:r>
+              <a:rPr lang="en-US" altLang="ko-KR" dirty="0" smtClean="0"/>
+              <a:t>Ctrl + p </a:t>
+            </a:r>
+            <a:r>
+              <a:rPr lang="ko-KR" altLang="en-US" dirty="0" smtClean="0"/>
+              <a:t>사용 및 </a:t>
+            </a:r>
+            <a:r>
+              <a:rPr lang="en-US" altLang="ko-KR" dirty="0" smtClean="0"/>
+              <a:t>required false</a:t>
+            </a:r>
+            <a:r>
+              <a:rPr lang="en-US" altLang="ko-KR" dirty="0"/>
+              <a:t/>
+            </a:r>
+            <a:br>
+              <a:rPr lang="en-US" altLang="ko-KR" dirty="0"/>
+            </a:br>
+            <a:r>
+              <a:rPr lang="en-US" altLang="ko-KR" dirty="0">
+                <a:hlinkClick r:id="rId3"/>
+              </a:rPr>
+              <a:t>http://</a:t>
+            </a:r>
+            <a:r>
+              <a:rPr lang="en-US" altLang="ko-KR" dirty="0" smtClean="0">
+                <a:hlinkClick r:id="rId3"/>
+              </a:rPr>
+              <a:t>localhost:8080/hello-mvc?name=spiring</a:t>
+            </a:r>
+            <a:r>
+              <a:rPr lang="en-US" altLang="ko-KR" dirty="0" smtClean="0"/>
+              <a:t>!</a:t>
+            </a:r>
+            <a:r>
+              <a:rPr lang="ko-KR" altLang="en-US" dirty="0" smtClean="0"/>
+              <a:t>로 </a:t>
+            </a:r>
+            <a:r>
+              <a:rPr lang="ko-KR" altLang="en-US" dirty="0" err="1" smtClean="0"/>
+              <a:t>접근가능</a:t>
+            </a:r>
+            <a:endParaRPr lang="ko-KR" altLang="en-US" dirty="0"/>
+          </a:p>
+        </p:txBody>
+      </p:sp>
+      <p:pic>
+        <p:nvPicPr>
+          <p:cNvPr id="6" name="그림 5"/>
+          <p:cNvPicPr>
+            <a:picLocks noChangeAspect="1"/>
+          </p:cNvPicPr>
+          <p:nvPr/>
+        </p:nvPicPr>
+        <p:blipFill>
+          <a:blip r:embed="rId4"/>
+          <a:stretch>
+            <a:fillRect/>
+          </a:stretch>
+        </p:blipFill>
+        <p:spPr>
+          <a:xfrm>
+            <a:off x="838200" y="3439319"/>
+            <a:ext cx="6258169" cy="1421850"/>
+          </a:xfrm>
+          <a:prstGeom prst="rect">
+            <a:avLst/>
+          </a:prstGeom>
+        </p:spPr>
+      </p:pic>
+    </p:spTree>
+    <p:extLst>
+      <p:ext uri="{BB962C8B-B14F-4D97-AF65-F5344CB8AC3E}">
+        <p14:creationId xmlns:p14="http://schemas.microsoft.com/office/powerpoint/2010/main" val="2697537541"/>
+      </p:ext>
+    </p:extLst>
+  </p:cSld>
+  <p:clrMapOvr>
+    <a:masterClrMapping/>
+  </p:clrMapOvr>
+</p:sld>
+</file>
+
+<file path=ppt/slides/slide16.xml><?xml version="1.0" encoding="utf-8"?>
+<p:sld xmlns:a="http://schemas.openxmlformats.org/drawingml/2006/main" xmlns:r="http://schemas.openxmlformats.org/officeDocument/2006/relationships" xmlns:p="http://schemas.openxmlformats.org/presentationml/2006/main">
+  <p:cSld>
+    <p:spTree>
+      <p:nvGrpSpPr>
+        <p:cNvPr id="1" name=""/>
+        <p:cNvGrpSpPr/>
+        <p:nvPr/>
+      </p:nvGrpSpPr>
+      <p:grpSpPr>
+        <a:xfrm>
+          <a:off x="0" y="0"/>
+          <a:ext cx="0" cy="0"/>
+          <a:chOff x="0" y="0"/>
+          <a:chExt cx="0" cy="0"/>
+        </a:xfrm>
+      </p:grpSpPr>
+      <p:sp>
+        <p:nvSpPr>
+          <p:cNvPr id="2" name="제목 1"/>
+          <p:cNvSpPr>
+            <a:spLocks noGrp="1"/>
+          </p:cNvSpPr>
+          <p:nvPr>
+            <p:ph type="title"/>
+          </p:nvPr>
+        </p:nvSpPr>
+        <p:spPr/>
+        <p:txBody>
+          <a:bodyPr/>
+          <a:lstStyle/>
+          <a:p>
+            <a:r>
+              <a:rPr lang="en-US" altLang="ko-KR" dirty="0"/>
+              <a:t>3-2 MVC</a:t>
+            </a:r>
+            <a:r>
+              <a:rPr lang="ko-KR" altLang="en-US" dirty="0"/>
+              <a:t>와 템플릿 엔진</a:t>
+            </a:r>
+          </a:p>
+        </p:txBody>
+      </p:sp>
+      <p:sp>
+        <p:nvSpPr>
+          <p:cNvPr id="3" name="내용 개체 틀 2"/>
+          <p:cNvSpPr>
+            <a:spLocks noGrp="1"/>
+          </p:cNvSpPr>
+          <p:nvPr>
+            <p:ph idx="1"/>
+          </p:nvPr>
+        </p:nvSpPr>
+        <p:spPr/>
+        <p:txBody>
+          <a:bodyPr/>
+          <a:lstStyle/>
+          <a:p>
+            <a:endParaRPr lang="ko-KR" altLang="en-US"/>
+          </a:p>
+        </p:txBody>
+      </p:sp>
+      <p:pic>
+        <p:nvPicPr>
+          <p:cNvPr id="5" name="그림 4"/>
+          <p:cNvPicPr>
+            <a:picLocks noChangeAspect="1"/>
+          </p:cNvPicPr>
+          <p:nvPr/>
+        </p:nvPicPr>
+        <p:blipFill>
+          <a:blip r:embed="rId2"/>
+          <a:stretch>
+            <a:fillRect/>
+          </a:stretch>
+        </p:blipFill>
+        <p:spPr>
+          <a:xfrm>
+            <a:off x="838200" y="1750158"/>
+            <a:ext cx="8782050" cy="4686300"/>
+          </a:xfrm>
+          <a:prstGeom prst="rect">
+            <a:avLst/>
+          </a:prstGeom>
+        </p:spPr>
+      </p:pic>
+    </p:spTree>
+    <p:extLst>
+      <p:ext uri="{BB962C8B-B14F-4D97-AF65-F5344CB8AC3E}">
+        <p14:creationId xmlns:p14="http://schemas.microsoft.com/office/powerpoint/2010/main" val="4082434201"/>
+      </p:ext>
+    </p:extLst>
+  </p:cSld>
+  <p:clrMapOvr>
+    <a:masterClrMapping/>
+  </p:clrMapOvr>
+</p:sld>
+</file>
+
+<file path=ppt/slides/slide17.xml><?xml version="1.0" encoding="utf-8"?>
+<p:sld xmlns:a="http://schemas.openxmlformats.org/drawingml/2006/main" xmlns:r="http://schemas.openxmlformats.org/officeDocument/2006/relationships" xmlns:p="http://schemas.openxmlformats.org/presentationml/2006/main">
+  <p:cSld>
+    <p:spTree>
+      <p:nvGrpSpPr>
+        <p:cNvPr id="1" name=""/>
+        <p:cNvGrpSpPr/>
+        <p:nvPr/>
+      </p:nvGrpSpPr>
+      <p:grpSpPr>
+        <a:xfrm>
+          <a:off x="0" y="0"/>
+          <a:ext cx="0" cy="0"/>
+          <a:chOff x="0" y="0"/>
+          <a:chExt cx="0" cy="0"/>
+        </a:xfrm>
+      </p:grpSpPr>
+      <p:sp>
+        <p:nvSpPr>
+          <p:cNvPr id="2" name="제목 1"/>
+          <p:cNvSpPr>
+            <a:spLocks noGrp="1"/>
+          </p:cNvSpPr>
+          <p:nvPr>
+            <p:ph type="title"/>
+          </p:nvPr>
+        </p:nvSpPr>
+        <p:spPr/>
+        <p:txBody>
+          <a:bodyPr/>
+          <a:lstStyle/>
+          <a:p>
+            <a:r>
+              <a:rPr lang="en-US" altLang="ko-KR" dirty="0" smtClean="0"/>
+              <a:t>3-3. API</a:t>
+            </a:r>
+            <a:endParaRPr lang="ko-KR" altLang="en-US" dirty="0"/>
+          </a:p>
+        </p:txBody>
+      </p:sp>
+      <p:pic>
+        <p:nvPicPr>
+          <p:cNvPr id="7" name="내용 개체 틀 6"/>
+          <p:cNvPicPr>
+            <a:picLocks noGrp="1" noChangeAspect="1"/>
+          </p:cNvPicPr>
+          <p:nvPr>
+            <p:ph idx="1"/>
+          </p:nvPr>
+        </p:nvPicPr>
+        <p:blipFill>
+          <a:blip r:embed="rId2"/>
+          <a:stretch>
+            <a:fillRect/>
+          </a:stretch>
+        </p:blipFill>
+        <p:spPr>
+          <a:xfrm>
+            <a:off x="838200" y="4024374"/>
+            <a:ext cx="5203092" cy="1876425"/>
+          </a:xfrm>
+          <a:prstGeom prst="rect">
+            <a:avLst/>
+          </a:prstGeom>
+        </p:spPr>
+      </p:pic>
+      <p:pic>
+        <p:nvPicPr>
+          <p:cNvPr id="4" name="그림 3"/>
+          <p:cNvPicPr>
+            <a:picLocks noChangeAspect="1"/>
+          </p:cNvPicPr>
+          <p:nvPr/>
+        </p:nvPicPr>
+        <p:blipFill>
+          <a:blip r:embed="rId3"/>
+          <a:stretch>
+            <a:fillRect/>
+          </a:stretch>
+        </p:blipFill>
+        <p:spPr>
+          <a:xfrm>
+            <a:off x="838200" y="1825625"/>
+            <a:ext cx="5562600" cy="1755286"/>
+          </a:xfrm>
+          <a:prstGeom prst="rect">
+            <a:avLst/>
+          </a:prstGeom>
+        </p:spPr>
+      </p:pic>
+      <p:sp>
+        <p:nvSpPr>
+          <p:cNvPr id="5" name="TextBox 4"/>
+          <p:cNvSpPr txBox="1"/>
+          <p:nvPr/>
+        </p:nvSpPr>
+        <p:spPr>
+          <a:xfrm>
+            <a:off x="6580553" y="1906954"/>
+            <a:ext cx="4501661" cy="646331"/>
+          </a:xfrm>
+          <a:prstGeom prst="rect">
+            <a:avLst/>
+          </a:prstGeom>
+          <a:noFill/>
+        </p:spPr>
+        <p:txBody>
+          <a:bodyPr wrap="square" rtlCol="0">
+            <a:spAutoFit/>
+          </a:bodyPr>
+          <a:lstStyle/>
+          <a:p>
+            <a:r>
+              <a:rPr lang="en-US" altLang="ko-KR" dirty="0" smtClean="0"/>
+              <a:t>@</a:t>
+            </a:r>
+            <a:r>
+              <a:rPr lang="en-US" altLang="ko-KR" dirty="0" err="1" smtClean="0"/>
+              <a:t>ResponseBody</a:t>
+            </a:r>
+            <a:r>
+              <a:rPr lang="en-US" altLang="ko-KR" dirty="0" smtClean="0"/>
+              <a:t> : http Response body</a:t>
+            </a:r>
+            <a:r>
+              <a:rPr lang="ko-KR" altLang="en-US" dirty="0" smtClean="0"/>
+              <a:t>에 직접 삽입</a:t>
+            </a:r>
+            <a:endParaRPr lang="ko-KR" altLang="en-US" dirty="0"/>
+          </a:p>
+        </p:txBody>
+      </p:sp>
+      <p:sp>
+        <p:nvSpPr>
+          <p:cNvPr id="8" name="TextBox 7"/>
+          <p:cNvSpPr txBox="1"/>
+          <p:nvPr/>
+        </p:nvSpPr>
+        <p:spPr>
+          <a:xfrm>
+            <a:off x="6580553" y="4024374"/>
+            <a:ext cx="4501661" cy="369332"/>
+          </a:xfrm>
+          <a:prstGeom prst="rect">
+            <a:avLst/>
+          </a:prstGeom>
+          <a:noFill/>
+        </p:spPr>
+        <p:txBody>
+          <a:bodyPr wrap="square" rtlCol="0">
+            <a:spAutoFit/>
+          </a:bodyPr>
+          <a:lstStyle/>
+          <a:p>
+            <a:r>
+              <a:rPr lang="ko-KR" altLang="en-US" dirty="0" smtClean="0"/>
+              <a:t>그대로 </a:t>
+            </a:r>
+            <a:r>
+              <a:rPr lang="ko-KR" altLang="en-US" dirty="0" err="1" smtClean="0"/>
+              <a:t>내려줌</a:t>
+            </a:r>
+            <a:endParaRPr lang="ko-KR" altLang="en-US" dirty="0"/>
+          </a:p>
+        </p:txBody>
+      </p:sp>
+    </p:spTree>
+    <p:extLst>
+      <p:ext uri="{BB962C8B-B14F-4D97-AF65-F5344CB8AC3E}">
+        <p14:creationId xmlns:p14="http://schemas.microsoft.com/office/powerpoint/2010/main" val="1912174669"/>
+      </p:ext>
+    </p:extLst>
+  </p:cSld>
+  <p:clrMapOvr>
+    <a:masterClrMapping/>
+  </p:clrMapOvr>
+</p:sld>
+</file>
+
+<file path=ppt/slides/slide18.xml><?xml version="1.0" encoding="utf-8"?>
+<p:sld xmlns:a="http://schemas.openxmlformats.org/drawingml/2006/main" xmlns:r="http://schemas.openxmlformats.org/officeDocument/2006/relationships" xmlns:p="http://schemas.openxmlformats.org/presentationml/2006/main">
+  <p:cSld>
+    <p:spTree>
+      <p:nvGrpSpPr>
+        <p:cNvPr id="1" name=""/>
+        <p:cNvGrpSpPr/>
+        <p:nvPr/>
+      </p:nvGrpSpPr>
+      <p:grpSpPr>
+        <a:xfrm>
+          <a:off x="0" y="0"/>
+          <a:ext cx="0" cy="0"/>
+          <a:chOff x="0" y="0"/>
+          <a:chExt cx="0" cy="0"/>
+        </a:xfrm>
+      </p:grpSpPr>
+      <p:sp>
+        <p:nvSpPr>
+          <p:cNvPr id="2" name="제목 1"/>
+          <p:cNvSpPr>
+            <a:spLocks noGrp="1"/>
+          </p:cNvSpPr>
+          <p:nvPr>
+            <p:ph type="title"/>
+          </p:nvPr>
+        </p:nvSpPr>
+        <p:spPr/>
+        <p:txBody>
+          <a:bodyPr/>
+          <a:lstStyle/>
+          <a:p>
+            <a:r>
+              <a:rPr lang="en-US" altLang="ko-KR" dirty="0" smtClean="0"/>
+              <a:t>3-3. API response</a:t>
+            </a:r>
+            <a:endParaRPr lang="ko-KR" altLang="en-US" dirty="0"/>
+          </a:p>
+        </p:txBody>
+      </p:sp>
+      <p:pic>
+        <p:nvPicPr>
+          <p:cNvPr id="4" name="내용 개체 틀 3"/>
+          <p:cNvPicPr>
+            <a:picLocks noGrp="1" noChangeAspect="1"/>
+          </p:cNvPicPr>
+          <p:nvPr>
+            <p:ph idx="1"/>
+          </p:nvPr>
+        </p:nvPicPr>
+        <p:blipFill>
+          <a:blip r:embed="rId2"/>
+          <a:stretch>
+            <a:fillRect/>
+          </a:stretch>
+        </p:blipFill>
+        <p:spPr>
+          <a:xfrm>
+            <a:off x="838200" y="1928629"/>
+            <a:ext cx="4991100" cy="4067175"/>
+          </a:xfrm>
+          <a:prstGeom prst="rect">
+            <a:avLst/>
+          </a:prstGeom>
+        </p:spPr>
+      </p:pic>
+      <p:pic>
+        <p:nvPicPr>
+          <p:cNvPr id="5" name="그림 4"/>
+          <p:cNvPicPr>
+            <a:picLocks noChangeAspect="1"/>
+          </p:cNvPicPr>
+          <p:nvPr/>
+        </p:nvPicPr>
+        <p:blipFill>
+          <a:blip r:embed="rId3"/>
+          <a:stretch>
+            <a:fillRect/>
+          </a:stretch>
+        </p:blipFill>
+        <p:spPr>
+          <a:xfrm>
+            <a:off x="6240951" y="1928629"/>
+            <a:ext cx="3914775" cy="1571625"/>
+          </a:xfrm>
+          <a:prstGeom prst="rect">
+            <a:avLst/>
+          </a:prstGeom>
+        </p:spPr>
+      </p:pic>
+      <p:cxnSp>
+        <p:nvCxnSpPr>
+          <p:cNvPr id="7" name="직선 화살표 연결선 6"/>
+          <p:cNvCxnSpPr/>
+          <p:nvPr/>
+        </p:nvCxnSpPr>
+        <p:spPr>
+          <a:xfrm>
+            <a:off x="4353169" y="4720492"/>
+            <a:ext cx="2993293" cy="31262"/>
+          </a:xfrm>
+          <a:prstGeom prst="straightConnector1">
+            <a:avLst/>
+          </a:prstGeom>
+          <a:ln>
+            <a:tailEnd type="triangle"/>
+          </a:ln>
+        </p:spPr>
+        <p:style>
+          <a:lnRef idx="1">
+            <a:schemeClr val="accent1"/>
+          </a:lnRef>
+          <a:fillRef idx="0">
+            <a:schemeClr val="accent1"/>
+          </a:fillRef>
+          <a:effectRef idx="0">
+            <a:schemeClr val="accent1"/>
+          </a:effectRef>
+          <a:fontRef idx="minor">
+            <a:schemeClr val="tx1"/>
+          </a:fontRef>
+        </p:style>
+      </p:cxnSp>
+      <p:sp>
+        <p:nvSpPr>
+          <p:cNvPr id="8" name="TextBox 7"/>
+          <p:cNvSpPr txBox="1"/>
+          <p:nvPr/>
+        </p:nvSpPr>
+        <p:spPr>
+          <a:xfrm>
+            <a:off x="7346462" y="4376615"/>
+            <a:ext cx="2102338" cy="646331"/>
+          </a:xfrm>
+          <a:prstGeom prst="rect">
+            <a:avLst/>
+          </a:prstGeom>
+          <a:noFill/>
+        </p:spPr>
+        <p:txBody>
+          <a:bodyPr wrap="square" rtlCol="0">
+            <a:spAutoFit/>
+          </a:bodyPr>
+          <a:lstStyle/>
+          <a:p>
+            <a:r>
+              <a:rPr lang="en-US" altLang="ko-KR" dirty="0" smtClean="0"/>
+              <a:t>Java Bean </a:t>
+            </a:r>
+            <a:r>
+              <a:rPr lang="ko-KR" altLang="en-US" dirty="0" smtClean="0"/>
+              <a:t>방식 </a:t>
+            </a:r>
+            <a:r>
+              <a:rPr lang="en-US" altLang="ko-KR" dirty="0" smtClean="0"/>
+              <a:t>/ property </a:t>
+            </a:r>
+            <a:r>
+              <a:rPr lang="ko-KR" altLang="en-US" dirty="0" smtClean="0"/>
+              <a:t>방식</a:t>
+            </a:r>
+            <a:endParaRPr lang="ko-KR" altLang="en-US" dirty="0"/>
+          </a:p>
+        </p:txBody>
+      </p:sp>
+    </p:spTree>
+    <p:extLst>
+      <p:ext uri="{BB962C8B-B14F-4D97-AF65-F5344CB8AC3E}">
+        <p14:creationId xmlns:p14="http://schemas.microsoft.com/office/powerpoint/2010/main" val="1683094989"/>
+      </p:ext>
+    </p:extLst>
+  </p:cSld>
+  <p:clrMapOvr>
+    <a:masterClrMapping/>
+  </p:clrMapOvr>
+</p:sld>
+</file>
+
+<file path=ppt/slides/slide19.xml><?xml version="1.0" encoding="utf-8"?>
+<p:sld xmlns:a="http://schemas.openxmlformats.org/drawingml/2006/main" xmlns:r="http://schemas.openxmlformats.org/officeDocument/2006/relationships" xmlns:p="http://schemas.openxmlformats.org/presentationml/2006/main">
+  <p:cSld>
+    <p:spTree>
+      <p:nvGrpSpPr>
+        <p:cNvPr id="1" name=""/>
+        <p:cNvGrpSpPr/>
+        <p:nvPr/>
+      </p:nvGrpSpPr>
+      <p:grpSpPr>
+        <a:xfrm>
+          <a:off x="0" y="0"/>
+          <a:ext cx="0" cy="0"/>
+          <a:chOff x="0" y="0"/>
+          <a:chExt cx="0" cy="0"/>
+        </a:xfrm>
+      </p:grpSpPr>
+      <p:sp>
+        <p:nvSpPr>
+          <p:cNvPr id="2" name="제목 1"/>
+          <p:cNvSpPr>
+            <a:spLocks noGrp="1"/>
+          </p:cNvSpPr>
+          <p:nvPr>
+            <p:ph type="title"/>
+          </p:nvPr>
+        </p:nvSpPr>
+        <p:spPr/>
+        <p:txBody>
+          <a:bodyPr/>
+          <a:lstStyle/>
+          <a:p>
+            <a:r>
+              <a:rPr lang="en-US" altLang="ko-KR" dirty="0" smtClean="0"/>
+              <a:t>3-3. API(Response Body)</a:t>
+            </a:r>
+            <a:endParaRPr lang="ko-KR" altLang="en-US" dirty="0"/>
+          </a:p>
+        </p:txBody>
+      </p:sp>
+      <p:pic>
+        <p:nvPicPr>
+          <p:cNvPr id="4" name="내용 개체 틀 3"/>
+          <p:cNvPicPr>
+            <a:picLocks noGrp="1" noChangeAspect="1"/>
+          </p:cNvPicPr>
+          <p:nvPr>
+            <p:ph idx="1"/>
+          </p:nvPr>
+        </p:nvPicPr>
+        <p:blipFill>
+          <a:blip r:embed="rId2"/>
+          <a:stretch>
+            <a:fillRect/>
+          </a:stretch>
+        </p:blipFill>
+        <p:spPr>
+          <a:xfrm>
+            <a:off x="80108" y="1690688"/>
+            <a:ext cx="6945923" cy="4351338"/>
+          </a:xfrm>
+          <a:prstGeom prst="rect">
+            <a:avLst/>
+          </a:prstGeom>
+        </p:spPr>
+      </p:pic>
+      <p:pic>
+        <p:nvPicPr>
+          <p:cNvPr id="5" name="그림 4"/>
+          <p:cNvPicPr>
+            <a:picLocks noChangeAspect="1"/>
+          </p:cNvPicPr>
+          <p:nvPr/>
+        </p:nvPicPr>
+        <p:blipFill>
+          <a:blip r:embed="rId3"/>
+          <a:stretch>
+            <a:fillRect/>
+          </a:stretch>
+        </p:blipFill>
+        <p:spPr>
+          <a:xfrm>
+            <a:off x="7136911" y="3986335"/>
+            <a:ext cx="5242658" cy="1714500"/>
+          </a:xfrm>
+          <a:prstGeom prst="rect">
+            <a:avLst/>
+          </a:prstGeom>
+        </p:spPr>
+      </p:pic>
+    </p:spTree>
+    <p:extLst>
+      <p:ext uri="{BB962C8B-B14F-4D97-AF65-F5344CB8AC3E}">
+        <p14:creationId xmlns:p14="http://schemas.microsoft.com/office/powerpoint/2010/main" val="3518671239"/>
       </p:ext>
     </p:extLst>
   </p:cSld>
@@ -3291,6 +4707,367 @@
     <p:extLst>
       <p:ext uri="{BB962C8B-B14F-4D97-AF65-F5344CB8AC3E}">
         <p14:creationId xmlns:p14="http://schemas.microsoft.com/office/powerpoint/2010/main" val="1616771858"/>
+      </p:ext>
+    </p:extLst>
+  </p:cSld>
+  <p:clrMapOvr>
+    <a:masterClrMapping/>
+  </p:clrMapOvr>
+</p:sld>
+</file>
+
+<file path=ppt/slides/slide20.xml><?xml version="1.0" encoding="utf-8"?>
+<p:sld xmlns:a="http://schemas.openxmlformats.org/drawingml/2006/main" xmlns:r="http://schemas.openxmlformats.org/officeDocument/2006/relationships" xmlns:p="http://schemas.openxmlformats.org/presentationml/2006/main">
+  <p:cSld>
+    <p:spTree>
+      <p:nvGrpSpPr>
+        <p:cNvPr id="1" name=""/>
+        <p:cNvGrpSpPr/>
+        <p:nvPr/>
+      </p:nvGrpSpPr>
+      <p:grpSpPr>
+        <a:xfrm>
+          <a:off x="0" y="0"/>
+          <a:ext cx="0" cy="0"/>
+          <a:chOff x="0" y="0"/>
+          <a:chExt cx="0" cy="0"/>
+        </a:xfrm>
+      </p:grpSpPr>
+      <p:sp>
+        <p:nvSpPr>
+          <p:cNvPr id="2" name="제목 1"/>
+          <p:cNvSpPr>
+            <a:spLocks noGrp="1"/>
+          </p:cNvSpPr>
+          <p:nvPr>
+            <p:ph type="title"/>
+          </p:nvPr>
+        </p:nvSpPr>
+        <p:spPr/>
+        <p:txBody>
+          <a:bodyPr/>
+          <a:lstStyle/>
+          <a:p>
+            <a:r>
+              <a:rPr lang="en-US" altLang="ko-KR" dirty="0"/>
+              <a:t>3-3. API(Response Body)</a:t>
+            </a:r>
+            <a:endParaRPr lang="ko-KR" altLang="en-US" dirty="0"/>
+          </a:p>
+        </p:txBody>
+      </p:sp>
+      <p:pic>
+        <p:nvPicPr>
+          <p:cNvPr id="4" name="내용 개체 틀 3"/>
+          <p:cNvPicPr>
+            <a:picLocks noGrp="1" noChangeAspect="1"/>
+          </p:cNvPicPr>
+          <p:nvPr>
+            <p:ph idx="1"/>
+          </p:nvPr>
+        </p:nvPicPr>
+        <p:blipFill>
+          <a:blip r:embed="rId2"/>
+          <a:stretch>
+            <a:fillRect/>
+          </a:stretch>
+        </p:blipFill>
+        <p:spPr>
+          <a:xfrm>
+            <a:off x="138737" y="1747471"/>
+            <a:ext cx="6637201" cy="4351338"/>
+          </a:xfrm>
+          <a:prstGeom prst="rect">
+            <a:avLst/>
+          </a:prstGeom>
+        </p:spPr>
+      </p:pic>
+      <p:sp>
+        <p:nvSpPr>
+          <p:cNvPr id="5" name="TextBox 4"/>
+          <p:cNvSpPr txBox="1"/>
+          <p:nvPr/>
+        </p:nvSpPr>
+        <p:spPr>
+          <a:xfrm>
+            <a:off x="6846278" y="1875692"/>
+            <a:ext cx="4321908" cy="4247317"/>
+          </a:xfrm>
+          <a:prstGeom prst="rect">
+            <a:avLst/>
+          </a:prstGeom>
+          <a:noFill/>
+        </p:spPr>
+        <p:txBody>
+          <a:bodyPr wrap="square" rtlCol="0">
+            <a:spAutoFit/>
+          </a:bodyPr>
+          <a:lstStyle/>
+          <a:p>
+            <a:r>
+              <a:rPr lang="en-US" altLang="ko-KR" dirty="0" smtClean="0"/>
+              <a:t>1. </a:t>
+            </a:r>
+            <a:r>
+              <a:rPr lang="en-US" altLang="ko-KR" dirty="0" err="1" smtClean="0"/>
+              <a:t>helloController</a:t>
+            </a:r>
+            <a:r>
+              <a:rPr lang="ko-KR" altLang="en-US" dirty="0" smtClean="0"/>
+              <a:t>에서 </a:t>
+            </a:r>
+            <a:r>
+              <a:rPr lang="en-US" altLang="ko-KR" dirty="0" smtClean="0"/>
+              <a:t>@</a:t>
+            </a:r>
+            <a:r>
+              <a:rPr lang="en-US" altLang="ko-KR" dirty="0" err="1" smtClean="0"/>
+              <a:t>ReponseBody</a:t>
+            </a:r>
+            <a:r>
+              <a:rPr lang="ko-KR" altLang="en-US" dirty="0" smtClean="0"/>
+              <a:t>를 보고 </a:t>
+            </a:r>
+            <a:r>
+              <a:rPr lang="en-US" altLang="ko-KR" dirty="0" smtClean="0"/>
+              <a:t>&gt; </a:t>
+            </a:r>
+            <a:r>
+              <a:rPr lang="en-US" altLang="ko-KR" dirty="0" err="1" smtClean="0"/>
+              <a:t>ViewResolver</a:t>
+            </a:r>
+            <a:r>
+              <a:rPr lang="ko-KR" altLang="en-US" dirty="0" smtClean="0"/>
+              <a:t>로 던지지 않음</a:t>
+            </a:r>
+            <a:r>
+              <a:rPr lang="en-US" altLang="ko-KR" dirty="0" smtClean="0"/>
+              <a:t/>
+            </a:r>
+            <a:br>
+              <a:rPr lang="en-US" altLang="ko-KR" dirty="0" smtClean="0"/>
+            </a:br>
+            <a:r>
+              <a:rPr lang="en-US" altLang="ko-KR" dirty="0" smtClean="0"/>
+              <a:t/>
+            </a:r>
+            <a:br>
+              <a:rPr lang="en-US" altLang="ko-KR" dirty="0" smtClean="0"/>
+            </a:br>
+            <a:r>
+              <a:rPr lang="en-US" altLang="ko-KR" dirty="0" smtClean="0"/>
+              <a:t>2. Http</a:t>
+            </a:r>
+            <a:r>
+              <a:rPr lang="ko-KR" altLang="en-US" dirty="0" smtClean="0"/>
+              <a:t>응답에 그대로 전달</a:t>
+            </a:r>
+            <a:r>
+              <a:rPr lang="en-US" altLang="ko-KR" dirty="0" smtClean="0"/>
+              <a:t>! </a:t>
+            </a:r>
+            <a:r>
+              <a:rPr lang="ko-KR" altLang="en-US" dirty="0" smtClean="0"/>
+              <a:t>그런데</a:t>
+            </a:r>
+            <a:r>
+              <a:rPr lang="en-US" altLang="ko-KR" dirty="0" smtClean="0"/>
+              <a:t>, </a:t>
+            </a:r>
+            <a:r>
+              <a:rPr lang="ko-KR" altLang="en-US" dirty="0" smtClean="0"/>
+              <a:t>문자가 아니라</a:t>
+            </a:r>
+            <a:r>
+              <a:rPr lang="en-US" altLang="ko-KR" dirty="0" smtClean="0"/>
+              <a:t>, </a:t>
+            </a:r>
+            <a:r>
+              <a:rPr lang="ko-KR" altLang="en-US" dirty="0" err="1" smtClean="0"/>
+              <a:t>객체네</a:t>
+            </a:r>
+            <a:r>
+              <a:rPr lang="en-US" altLang="ko-KR" dirty="0" smtClean="0"/>
+              <a:t>…? </a:t>
+            </a:r>
+            <a:br>
+              <a:rPr lang="en-US" altLang="ko-KR" dirty="0" smtClean="0"/>
+            </a:br>
+            <a:r>
+              <a:rPr lang="en-US" altLang="ko-KR" dirty="0" smtClean="0"/>
+              <a:t/>
+            </a:r>
+            <a:br>
+              <a:rPr lang="en-US" altLang="ko-KR" dirty="0" smtClean="0"/>
+            </a:br>
+            <a:r>
+              <a:rPr lang="en-US" altLang="ko-KR" dirty="0" smtClean="0"/>
+              <a:t>3. Spring </a:t>
+            </a:r>
+            <a:r>
+              <a:rPr lang="ko-KR" altLang="en-US" dirty="0" smtClean="0"/>
+              <a:t>입장 </a:t>
+            </a:r>
+            <a:r>
+              <a:rPr lang="en-US" altLang="ko-KR" dirty="0" smtClean="0"/>
+              <a:t>: </a:t>
+            </a:r>
+            <a:r>
+              <a:rPr lang="ko-KR" altLang="en-US" dirty="0" smtClean="0"/>
+              <a:t>객체가 오면 </a:t>
+            </a:r>
+            <a:r>
+              <a:rPr lang="en-US" altLang="ko-KR" dirty="0" smtClean="0"/>
+              <a:t>default</a:t>
+            </a:r>
+            <a:r>
+              <a:rPr lang="ko-KR" altLang="en-US" dirty="0" smtClean="0"/>
+              <a:t>로 </a:t>
+            </a:r>
+            <a:r>
+              <a:rPr lang="en-US" altLang="ko-KR" dirty="0" smtClean="0"/>
+              <a:t>JSON </a:t>
+            </a:r>
+            <a:r>
+              <a:rPr lang="ko-KR" altLang="en-US" dirty="0" smtClean="0"/>
+              <a:t>방식으로 </a:t>
+            </a:r>
+            <a:r>
+              <a:rPr lang="en-US" altLang="ko-KR" dirty="0" smtClean="0"/>
+              <a:t>data</a:t>
+            </a:r>
+            <a:r>
+              <a:rPr lang="ko-KR" altLang="en-US" dirty="0" smtClean="0"/>
+              <a:t>를 만들어서 </a:t>
+            </a:r>
+            <a:r>
+              <a:rPr lang="en-US" altLang="ko-KR" dirty="0" smtClean="0"/>
+              <a:t>return</a:t>
+            </a:r>
+          </a:p>
+          <a:p>
+            <a:endParaRPr lang="en-US" altLang="ko-KR" dirty="0" smtClean="0"/>
+          </a:p>
+          <a:p>
+            <a:r>
+              <a:rPr lang="en-US" altLang="ko-KR" dirty="0" smtClean="0"/>
+              <a:t>4. </a:t>
+            </a:r>
+            <a:r>
+              <a:rPr lang="en-US" altLang="ko-KR" dirty="0" err="1" smtClean="0"/>
+              <a:t>HttpMessageConverter</a:t>
+            </a:r>
+            <a:r>
+              <a:rPr lang="ko-KR" altLang="en-US" dirty="0" smtClean="0"/>
+              <a:t>가 동작</a:t>
+            </a:r>
+            <a:r>
+              <a:rPr lang="en-US" altLang="ko-KR" dirty="0" smtClean="0"/>
+              <a:t/>
+            </a:r>
+            <a:br>
+              <a:rPr lang="en-US" altLang="ko-KR" dirty="0" smtClean="0"/>
+            </a:br>
+            <a:r>
+              <a:rPr lang="en-US" altLang="ko-KR" dirty="0" smtClean="0"/>
+              <a:t> &gt; 1. </a:t>
+            </a:r>
+            <a:r>
+              <a:rPr lang="ko-KR" altLang="en-US" dirty="0" smtClean="0"/>
+              <a:t>단순 문자 </a:t>
+            </a:r>
+            <a:r>
+              <a:rPr lang="en-US" altLang="ko-KR" dirty="0" smtClean="0"/>
+              <a:t>&gt; </a:t>
+            </a:r>
+            <a:r>
+              <a:rPr lang="en-US" altLang="ko-KR" dirty="0" err="1" smtClean="0"/>
+              <a:t>StringConverter</a:t>
+            </a:r>
+            <a:r>
+              <a:rPr lang="en-US" altLang="ko-KR" dirty="0" smtClean="0"/>
+              <a:t/>
+            </a:r>
+            <a:br>
+              <a:rPr lang="en-US" altLang="ko-KR" dirty="0" smtClean="0"/>
+            </a:br>
+            <a:r>
+              <a:rPr lang="en-US" altLang="ko-KR" dirty="0" smtClean="0"/>
+              <a:t> &gt; 2. </a:t>
+            </a:r>
+            <a:r>
+              <a:rPr lang="ko-KR" altLang="en-US" dirty="0" smtClean="0"/>
+              <a:t>객체 </a:t>
+            </a:r>
+            <a:r>
+              <a:rPr lang="en-US" altLang="ko-KR" dirty="0" smtClean="0"/>
+              <a:t>&gt; </a:t>
+            </a:r>
+            <a:r>
+              <a:rPr lang="en-US" altLang="ko-KR" dirty="0" err="1" smtClean="0"/>
+              <a:t>JsonConverter</a:t>
+            </a:r>
+            <a:r>
+              <a:rPr lang="en-US" altLang="ko-KR" dirty="0" smtClean="0"/>
+              <a:t/>
+            </a:r>
+            <a:br>
+              <a:rPr lang="en-US" altLang="ko-KR" dirty="0" smtClean="0"/>
+            </a:br>
+            <a:r>
+              <a:rPr lang="en-US" altLang="ko-KR" dirty="0" smtClean="0"/>
+              <a:t/>
+            </a:r>
+            <a:br>
+              <a:rPr lang="en-US" altLang="ko-KR" dirty="0" smtClean="0"/>
+            </a:br>
+            <a:r>
+              <a:rPr lang="ko-KR" altLang="en-US" dirty="0" smtClean="0"/>
+              <a:t>객체를 </a:t>
+            </a:r>
+            <a:r>
+              <a:rPr lang="en-US" altLang="ko-KR" dirty="0" err="1" smtClean="0"/>
+              <a:t>Json</a:t>
+            </a:r>
+            <a:r>
+              <a:rPr lang="ko-KR" altLang="en-US" dirty="0" smtClean="0"/>
+              <a:t>으로 변경해주는 </a:t>
+            </a:r>
+            <a:r>
+              <a:rPr lang="en-US" altLang="ko-KR" dirty="0" smtClean="0"/>
+              <a:t>library </a:t>
+            </a:r>
+            <a:br>
+              <a:rPr lang="en-US" altLang="ko-KR" dirty="0" smtClean="0"/>
+            </a:br>
+            <a:r>
+              <a:rPr lang="en-US" altLang="ko-KR" dirty="0" smtClean="0"/>
+              <a:t> Jackson(spring </a:t>
+            </a:r>
+            <a:r>
+              <a:rPr lang="ko-KR" altLang="en-US" dirty="0" smtClean="0"/>
+              <a:t>기본 탑재</a:t>
+            </a:r>
+            <a:r>
+              <a:rPr lang="en-US" altLang="ko-KR" smtClean="0"/>
+              <a:t>) </a:t>
+            </a:r>
+            <a:r>
+              <a:rPr lang="en-US" altLang="ko-KR" dirty="0" smtClean="0"/>
+              <a:t>/ </a:t>
+            </a:r>
+            <a:r>
+              <a:rPr lang="en-US" altLang="ko-KR" dirty="0" err="1" smtClean="0"/>
+              <a:t>Gson</a:t>
+            </a:r>
+            <a:endParaRPr lang="ko-KR" altLang="en-US" dirty="0"/>
+          </a:p>
+        </p:txBody>
+      </p:sp>
+    </p:spTree>
+    <p:extLst>
+      <p:ext uri="{BB962C8B-B14F-4D97-AF65-F5344CB8AC3E}">
+        <p14:creationId xmlns:p14="http://schemas.microsoft.com/office/powerpoint/2010/main" val="3089506049"/>
       </p:ext>
     </p:extLst>
   </p:cSld>

--- a/Spring-basic.pptx
+++ b/Spring-basic.pptx
@@ -25,6 +25,8 @@
     <p:sldId id="273" r:id="rId19"/>
     <p:sldId id="274" r:id="rId20"/>
     <p:sldId id="275" r:id="rId21"/>
+    <p:sldId id="276" r:id="rId22"/>
+    <p:sldId id="277" r:id="rId23"/>
   </p:sldIdLst>
   <p:sldSz cx="12192000" cy="6858000"/>
   <p:notesSz cx="6858000" cy="9144000"/>
@@ -262,7 +264,7 @@
           <a:p>
             <a:fld id="{7C97A641-14F4-4569-AFF8-7D41B3522D77}" type="datetimeFigureOut">
               <a:rPr lang="ko-KR" altLang="en-US" smtClean="0"/>
-              <a:t>2022-07-27</a:t>
+              <a:t>2022-08-02</a:t>
             </a:fld>
             <a:endParaRPr lang="ko-KR" altLang="en-US"/>
           </a:p>
@@ -432,7 +434,7 @@
           <a:p>
             <a:fld id="{7C97A641-14F4-4569-AFF8-7D41B3522D77}" type="datetimeFigureOut">
               <a:rPr lang="ko-KR" altLang="en-US" smtClean="0"/>
-              <a:t>2022-07-27</a:t>
+              <a:t>2022-08-02</a:t>
             </a:fld>
             <a:endParaRPr lang="ko-KR" altLang="en-US"/>
           </a:p>
@@ -612,7 +614,7 @@
           <a:p>
             <a:fld id="{7C97A641-14F4-4569-AFF8-7D41B3522D77}" type="datetimeFigureOut">
               <a:rPr lang="ko-KR" altLang="en-US" smtClean="0"/>
-              <a:t>2022-07-27</a:t>
+              <a:t>2022-08-02</a:t>
             </a:fld>
             <a:endParaRPr lang="ko-KR" altLang="en-US"/>
           </a:p>
@@ -782,7 +784,7 @@
           <a:p>
             <a:fld id="{7C97A641-14F4-4569-AFF8-7D41B3522D77}" type="datetimeFigureOut">
               <a:rPr lang="ko-KR" altLang="en-US" smtClean="0"/>
-              <a:t>2022-07-27</a:t>
+              <a:t>2022-08-02</a:t>
             </a:fld>
             <a:endParaRPr lang="ko-KR" altLang="en-US"/>
           </a:p>
@@ -1028,7 +1030,7 @@
           <a:p>
             <a:fld id="{7C97A641-14F4-4569-AFF8-7D41B3522D77}" type="datetimeFigureOut">
               <a:rPr lang="ko-KR" altLang="en-US" smtClean="0"/>
-              <a:t>2022-07-27</a:t>
+              <a:t>2022-08-02</a:t>
             </a:fld>
             <a:endParaRPr lang="ko-KR" altLang="en-US"/>
           </a:p>
@@ -1260,7 +1262,7 @@
           <a:p>
             <a:fld id="{7C97A641-14F4-4569-AFF8-7D41B3522D77}" type="datetimeFigureOut">
               <a:rPr lang="ko-KR" altLang="en-US" smtClean="0"/>
-              <a:t>2022-07-27</a:t>
+              <a:t>2022-08-02</a:t>
             </a:fld>
             <a:endParaRPr lang="ko-KR" altLang="en-US"/>
           </a:p>
@@ -1627,7 +1629,7 @@
           <a:p>
             <a:fld id="{7C97A641-14F4-4569-AFF8-7D41B3522D77}" type="datetimeFigureOut">
               <a:rPr lang="ko-KR" altLang="en-US" smtClean="0"/>
-              <a:t>2022-07-27</a:t>
+              <a:t>2022-08-02</a:t>
             </a:fld>
             <a:endParaRPr lang="ko-KR" altLang="en-US"/>
           </a:p>
@@ -1745,7 +1747,7 @@
           <a:p>
             <a:fld id="{7C97A641-14F4-4569-AFF8-7D41B3522D77}" type="datetimeFigureOut">
               <a:rPr lang="ko-KR" altLang="en-US" smtClean="0"/>
-              <a:t>2022-07-27</a:t>
+              <a:t>2022-08-02</a:t>
             </a:fld>
             <a:endParaRPr lang="ko-KR" altLang="en-US"/>
           </a:p>
@@ -1840,7 +1842,7 @@
           <a:p>
             <a:fld id="{7C97A641-14F4-4569-AFF8-7D41B3522D77}" type="datetimeFigureOut">
               <a:rPr lang="ko-KR" altLang="en-US" smtClean="0"/>
-              <a:t>2022-07-27</a:t>
+              <a:t>2022-08-02</a:t>
             </a:fld>
             <a:endParaRPr lang="ko-KR" altLang="en-US"/>
           </a:p>
@@ -2117,7 +2119,7 @@
           <a:p>
             <a:fld id="{7C97A641-14F4-4569-AFF8-7D41B3522D77}" type="datetimeFigureOut">
               <a:rPr lang="ko-KR" altLang="en-US" smtClean="0"/>
-              <a:t>2022-07-27</a:t>
+              <a:t>2022-08-02</a:t>
             </a:fld>
             <a:endParaRPr lang="ko-KR" altLang="en-US"/>
           </a:p>
@@ -2370,7 +2372,7 @@
           <a:p>
             <a:fld id="{7C97A641-14F4-4569-AFF8-7D41B3522D77}" type="datetimeFigureOut">
               <a:rPr lang="ko-KR" altLang="en-US" smtClean="0"/>
-              <a:t>2022-07-27</a:t>
+              <a:t>2022-08-02</a:t>
             </a:fld>
             <a:endParaRPr lang="ko-KR" altLang="en-US"/>
           </a:p>
@@ -2583,7 +2585,7 @@
           <a:p>
             <a:fld id="{7C97A641-14F4-4569-AFF8-7D41B3522D77}" type="datetimeFigureOut">
               <a:rPr lang="ko-KR" altLang="en-US" smtClean="0"/>
-              <a:t>2022-07-27</a:t>
+              <a:t>2022-08-02</a:t>
             </a:fld>
             <a:endParaRPr lang="ko-KR" altLang="en-US"/>
           </a:p>
@@ -3077,11 +3079,7 @@
           <a:p>
             <a:r>
               <a:rPr lang="en-US" altLang="ko-KR" dirty="0" smtClean="0"/>
-              <a:t>2-3</a:t>
-            </a:r>
-            <a:r>
-              <a:rPr lang="en-US" altLang="ko-KR" dirty="0" smtClean="0"/>
-              <a:t>. </a:t>
+              <a:t>2-3. </a:t>
             </a:r>
             <a:r>
               <a:rPr lang="en-US" altLang="ko-KR" dirty="0" err="1" smtClean="0"/>
@@ -5068,6 +5066,232 @@
     <p:extLst>
       <p:ext uri="{BB962C8B-B14F-4D97-AF65-F5344CB8AC3E}">
         <p14:creationId xmlns:p14="http://schemas.microsoft.com/office/powerpoint/2010/main" val="3089506049"/>
+      </p:ext>
+    </p:extLst>
+  </p:cSld>
+  <p:clrMapOvr>
+    <a:masterClrMapping/>
+  </p:clrMapOvr>
+</p:sld>
+</file>
+
+<file path=ppt/slides/slide21.xml><?xml version="1.0" encoding="utf-8"?>
+<p:sld xmlns:a="http://schemas.openxmlformats.org/drawingml/2006/main" xmlns:r="http://schemas.openxmlformats.org/officeDocument/2006/relationships" xmlns:p="http://schemas.openxmlformats.org/presentationml/2006/main">
+  <p:cSld>
+    <p:spTree>
+      <p:nvGrpSpPr>
+        <p:cNvPr id="1" name=""/>
+        <p:cNvGrpSpPr/>
+        <p:nvPr/>
+      </p:nvGrpSpPr>
+      <p:grpSpPr>
+        <a:xfrm>
+          <a:off x="0" y="0"/>
+          <a:ext cx="0" cy="0"/>
+          <a:chOff x="0" y="0"/>
+          <a:chExt cx="0" cy="0"/>
+        </a:xfrm>
+      </p:grpSpPr>
+      <p:sp>
+        <p:nvSpPr>
+          <p:cNvPr id="2" name="제목 1"/>
+          <p:cNvSpPr>
+            <a:spLocks noGrp="1"/>
+          </p:cNvSpPr>
+          <p:nvPr>
+            <p:ph type="title"/>
+          </p:nvPr>
+        </p:nvSpPr>
+        <p:spPr/>
+        <p:txBody>
+          <a:bodyPr/>
+          <a:lstStyle/>
+          <a:p>
+            <a:r>
+              <a:rPr lang="en-US" altLang="ko-KR" dirty="0" smtClean="0"/>
+              <a:t>4. </a:t>
+            </a:r>
+            <a:r>
+              <a:rPr lang="ko-KR" altLang="en-US" dirty="0" smtClean="0"/>
+              <a:t>회원관리예제</a:t>
+            </a:r>
+            <a:r>
+              <a:rPr lang="en-US" altLang="ko-KR" dirty="0"/>
+              <a:t> </a:t>
+            </a:r>
+            <a:r>
+              <a:rPr lang="en-US" altLang="ko-KR" smtClean="0"/>
+              <a:t>–</a:t>
+            </a:r>
+            <a:r>
+              <a:rPr lang="ko-KR" altLang="en-US" smtClean="0"/>
+              <a:t>비즈니스 요구사항정리</a:t>
+            </a:r>
+            <a:endParaRPr lang="ko-KR" altLang="en-US" dirty="0"/>
+          </a:p>
+        </p:txBody>
+      </p:sp>
+      <p:pic>
+        <p:nvPicPr>
+          <p:cNvPr id="4" name="내용 개체 틀 3"/>
+          <p:cNvPicPr>
+            <a:picLocks noGrp="1" noChangeAspect="1"/>
+          </p:cNvPicPr>
+          <p:nvPr>
+            <p:ph idx="1"/>
+          </p:nvPr>
+        </p:nvPicPr>
+        <p:blipFill>
+          <a:blip r:embed="rId2"/>
+          <a:stretch>
+            <a:fillRect/>
+          </a:stretch>
+        </p:blipFill>
+        <p:spPr>
+          <a:xfrm>
+            <a:off x="768514" y="1690688"/>
+            <a:ext cx="4536804" cy="4351338"/>
+          </a:xfrm>
+          <a:prstGeom prst="rect">
+            <a:avLst/>
+          </a:prstGeom>
+        </p:spPr>
+      </p:pic>
+      <p:pic>
+        <p:nvPicPr>
+          <p:cNvPr id="5" name="그림 4"/>
+          <p:cNvPicPr>
+            <a:picLocks noChangeAspect="1"/>
+          </p:cNvPicPr>
+          <p:nvPr/>
+        </p:nvPicPr>
+        <p:blipFill>
+          <a:blip r:embed="rId3"/>
+          <a:stretch>
+            <a:fillRect/>
+          </a:stretch>
+        </p:blipFill>
+        <p:spPr>
+          <a:xfrm>
+            <a:off x="5539914" y="1623219"/>
+            <a:ext cx="5734050" cy="4486275"/>
+          </a:xfrm>
+          <a:prstGeom prst="rect">
+            <a:avLst/>
+          </a:prstGeom>
+        </p:spPr>
+      </p:pic>
+    </p:spTree>
+    <p:extLst>
+      <p:ext uri="{BB962C8B-B14F-4D97-AF65-F5344CB8AC3E}">
+        <p14:creationId xmlns:p14="http://schemas.microsoft.com/office/powerpoint/2010/main" val="2224513794"/>
+      </p:ext>
+    </p:extLst>
+  </p:cSld>
+  <p:clrMapOvr>
+    <a:masterClrMapping/>
+  </p:clrMapOvr>
+</p:sld>
+</file>
+
+<file path=ppt/slides/slide22.xml><?xml version="1.0" encoding="utf-8"?>
+<p:sld xmlns:a="http://schemas.openxmlformats.org/drawingml/2006/main" xmlns:r="http://schemas.openxmlformats.org/officeDocument/2006/relationships" xmlns:p="http://schemas.openxmlformats.org/presentationml/2006/main">
+  <p:cSld>
+    <p:spTree>
+      <p:nvGrpSpPr>
+        <p:cNvPr id="1" name=""/>
+        <p:cNvGrpSpPr/>
+        <p:nvPr/>
+      </p:nvGrpSpPr>
+      <p:grpSpPr>
+        <a:xfrm>
+          <a:off x="0" y="0"/>
+          <a:ext cx="0" cy="0"/>
+          <a:chOff x="0" y="0"/>
+          <a:chExt cx="0" cy="0"/>
+        </a:xfrm>
+      </p:grpSpPr>
+      <p:sp>
+        <p:nvSpPr>
+          <p:cNvPr id="2" name="제목 1"/>
+          <p:cNvSpPr>
+            <a:spLocks noGrp="1"/>
+          </p:cNvSpPr>
+          <p:nvPr>
+            <p:ph type="title"/>
+          </p:nvPr>
+        </p:nvSpPr>
+        <p:spPr/>
+        <p:txBody>
+          <a:bodyPr/>
+          <a:lstStyle/>
+          <a:p>
+            <a:r>
+              <a:rPr lang="en-US" altLang="ko-KR" dirty="0" smtClean="0"/>
+              <a:t>4-1</a:t>
+            </a:r>
+            <a:endParaRPr lang="ko-KR" altLang="en-US" dirty="0"/>
+          </a:p>
+        </p:txBody>
+      </p:sp>
+      <p:sp>
+        <p:nvSpPr>
+          <p:cNvPr id="3" name="내용 개체 틀 2"/>
+          <p:cNvSpPr>
+            <a:spLocks noGrp="1"/>
+          </p:cNvSpPr>
+          <p:nvPr>
+            <p:ph idx="1"/>
+          </p:nvPr>
+        </p:nvSpPr>
+        <p:spPr/>
+        <p:txBody>
+          <a:bodyPr/>
+          <a:lstStyle/>
+          <a:p>
+            <a:pPr marL="0" indent="0">
+              <a:buNone/>
+            </a:pPr>
+            <a:r>
+              <a:rPr lang="en-US" altLang="ko-KR" dirty="0" smtClean="0"/>
+              <a:t>&lt;Optional&gt; : return</a:t>
+            </a:r>
+            <a:r>
+              <a:rPr lang="ko-KR" altLang="en-US" dirty="0" smtClean="0"/>
+              <a:t>이 </a:t>
+            </a:r>
+            <a:r>
+              <a:rPr lang="en-US" altLang="ko-KR" dirty="0" smtClean="0"/>
+              <a:t>null</a:t>
+            </a:r>
+            <a:r>
+              <a:rPr lang="ko-KR" altLang="en-US" dirty="0" smtClean="0"/>
+              <a:t>이 </a:t>
+            </a:r>
+            <a:r>
+              <a:rPr lang="ko-KR" altLang="en-US" dirty="0" err="1" smtClean="0"/>
+              <a:t>될때</a:t>
+            </a:r>
+            <a:r>
+              <a:rPr lang="en-US" altLang="ko-KR" dirty="0" smtClean="0"/>
+              <a:t>, null</a:t>
+            </a:r>
+            <a:r>
+              <a:rPr lang="ko-KR" altLang="en-US" dirty="0" smtClean="0"/>
+              <a:t>도 감싸줘서 </a:t>
+            </a:r>
+            <a:r>
+              <a:rPr lang="en-US" altLang="ko-KR" dirty="0" smtClean="0"/>
+              <a:t>return</a:t>
+            </a:r>
+            <a:endParaRPr lang="ko-KR" altLang="en-US" dirty="0"/>
+          </a:p>
+        </p:txBody>
+      </p:sp>
+    </p:spTree>
+    <p:extLst>
+      <p:ext uri="{BB962C8B-B14F-4D97-AF65-F5344CB8AC3E}">
+        <p14:creationId xmlns:p14="http://schemas.microsoft.com/office/powerpoint/2010/main" val="3168959100"/>
       </p:ext>
     </p:extLst>
   </p:cSld>

--- a/Spring-basic.pptx
+++ b/Spring-basic.pptx
@@ -27,6 +27,8 @@
     <p:sldId id="275" r:id="rId21"/>
     <p:sldId id="276" r:id="rId22"/>
     <p:sldId id="277" r:id="rId23"/>
+    <p:sldId id="278" r:id="rId24"/>
+    <p:sldId id="279" r:id="rId25"/>
   </p:sldIdLst>
   <p:sldSz cx="12192000" cy="6858000"/>
   <p:notesSz cx="6858000" cy="9144000"/>
@@ -5301,6 +5303,496 @@
 </p:sld>
 </file>
 
+<file path=ppt/slides/slide23.xml><?xml version="1.0" encoding="utf-8"?>
+<p:sld xmlns:a="http://schemas.openxmlformats.org/drawingml/2006/main" xmlns:r="http://schemas.openxmlformats.org/officeDocument/2006/relationships" xmlns:p="http://schemas.openxmlformats.org/presentationml/2006/main">
+  <p:cSld>
+    <p:spTree>
+      <p:nvGrpSpPr>
+        <p:cNvPr id="1" name=""/>
+        <p:cNvGrpSpPr/>
+        <p:nvPr/>
+      </p:nvGrpSpPr>
+      <p:grpSpPr>
+        <a:xfrm>
+          <a:off x="0" y="0"/>
+          <a:ext cx="0" cy="0"/>
+          <a:chOff x="0" y="0"/>
+          <a:chExt cx="0" cy="0"/>
+        </a:xfrm>
+      </p:grpSpPr>
+      <p:sp>
+        <p:nvSpPr>
+          <p:cNvPr id="2" name="제목 1"/>
+          <p:cNvSpPr>
+            <a:spLocks noGrp="1"/>
+          </p:cNvSpPr>
+          <p:nvPr>
+            <p:ph type="title"/>
+          </p:nvPr>
+        </p:nvSpPr>
+        <p:spPr/>
+        <p:txBody>
+          <a:bodyPr/>
+          <a:lstStyle/>
+          <a:p>
+            <a:r>
+              <a:rPr lang="en-US" altLang="ko-KR" dirty="0" smtClean="0"/>
+              <a:t>4-2. Test case</a:t>
+            </a:r>
+            <a:endParaRPr lang="ko-KR" altLang="en-US" dirty="0"/>
+          </a:p>
+        </p:txBody>
+      </p:sp>
+      <p:pic>
+        <p:nvPicPr>
+          <p:cNvPr id="6" name="내용 개체 틀 5"/>
+          <p:cNvPicPr>
+            <a:picLocks noGrp="1" noChangeAspect="1"/>
+          </p:cNvPicPr>
+          <p:nvPr>
+            <p:ph idx="1"/>
+          </p:nvPr>
+        </p:nvPicPr>
+        <p:blipFill>
+          <a:blip r:embed="rId2"/>
+          <a:stretch>
+            <a:fillRect/>
+          </a:stretch>
+        </p:blipFill>
+        <p:spPr>
+          <a:xfrm>
+            <a:off x="5298831" y="1882775"/>
+            <a:ext cx="3810000" cy="2943225"/>
+          </a:xfrm>
+          <a:prstGeom prst="rect">
+            <a:avLst/>
+          </a:prstGeom>
+        </p:spPr>
+      </p:pic>
+      <p:pic>
+        <p:nvPicPr>
+          <p:cNvPr id="4" name="그림 3"/>
+          <p:cNvPicPr>
+            <a:picLocks noChangeAspect="1"/>
+          </p:cNvPicPr>
+          <p:nvPr/>
+        </p:nvPicPr>
+        <p:blipFill>
+          <a:blip r:embed="rId3"/>
+          <a:stretch>
+            <a:fillRect/>
+          </a:stretch>
+        </p:blipFill>
+        <p:spPr>
+          <a:xfrm>
+            <a:off x="838200" y="1825625"/>
+            <a:ext cx="4460631" cy="3000375"/>
+          </a:xfrm>
+          <a:prstGeom prst="rect">
+            <a:avLst/>
+          </a:prstGeom>
+        </p:spPr>
+      </p:pic>
+      <p:sp>
+        <p:nvSpPr>
+          <p:cNvPr id="7" name="TextBox 6"/>
+          <p:cNvSpPr txBox="1"/>
+          <p:nvPr/>
+        </p:nvSpPr>
+        <p:spPr>
+          <a:xfrm>
+            <a:off x="5744308" y="3446584"/>
+            <a:ext cx="4939324" cy="830997"/>
+          </a:xfrm>
+          <a:prstGeom prst="rect">
+            <a:avLst/>
+          </a:prstGeom>
+          <a:noFill/>
+        </p:spPr>
+        <p:txBody>
+          <a:bodyPr wrap="square" rtlCol="0">
+            <a:spAutoFit/>
+          </a:bodyPr>
+          <a:lstStyle/>
+          <a:p>
+            <a:r>
+              <a:rPr lang="en-US" altLang="ko-KR" sz="1200" dirty="0" smtClean="0"/>
+              <a:t>Test case</a:t>
+            </a:r>
+            <a:r>
+              <a:rPr lang="ko-KR" altLang="en-US" sz="1200" dirty="0" smtClean="0"/>
+              <a:t>는 </a:t>
+            </a:r>
+            <a:r>
+              <a:rPr lang="en-US" altLang="ko-KR" sz="1200" dirty="0" smtClean="0"/>
+              <a:t>methods </a:t>
+            </a:r>
+            <a:r>
+              <a:rPr lang="ko-KR" altLang="en-US" sz="1200" dirty="0" smtClean="0"/>
+              <a:t>순서를 보장 할 </a:t>
+            </a:r>
+            <a:r>
+              <a:rPr lang="ko-KR" altLang="en-US" sz="1200" dirty="0"/>
+              <a:t>수</a:t>
+            </a:r>
+            <a:r>
+              <a:rPr lang="ko-KR" altLang="en-US" sz="1200" dirty="0" smtClean="0"/>
+              <a:t> 없다</a:t>
+            </a:r>
+            <a:r>
+              <a:rPr lang="en-US" altLang="ko-KR" sz="1200" dirty="0" smtClean="0"/>
+              <a:t>.</a:t>
+            </a:r>
+            <a:r>
+              <a:rPr lang="en-US" altLang="ko-KR" sz="1200" dirty="0"/>
+              <a:t/>
+            </a:r>
+            <a:br>
+              <a:rPr lang="en-US" altLang="ko-KR" sz="1200" dirty="0"/>
+            </a:br>
+            <a:r>
+              <a:rPr lang="ko-KR" altLang="en-US" sz="1200" dirty="0" smtClean="0"/>
+              <a:t>하지만</a:t>
+            </a:r>
+            <a:r>
+              <a:rPr lang="en-US" altLang="ko-KR" sz="1200" dirty="0" smtClean="0"/>
+              <a:t>, </a:t>
+            </a:r>
+            <a:r>
+              <a:rPr lang="ko-KR" altLang="en-US" sz="1200" dirty="0" err="1" smtClean="0"/>
+              <a:t>테스트할때</a:t>
+            </a:r>
+            <a:r>
+              <a:rPr lang="ko-KR" altLang="en-US" sz="1200" dirty="0" smtClean="0"/>
+              <a:t> 함수를 순차적으로 동작하게 구현 하면 안된다</a:t>
+            </a:r>
+            <a:r>
+              <a:rPr lang="en-US" altLang="ko-KR" sz="1200" dirty="0" smtClean="0"/>
+              <a:t>.</a:t>
+            </a:r>
+            <a:br>
+              <a:rPr lang="en-US" altLang="ko-KR" sz="1200" dirty="0" smtClean="0"/>
+            </a:br>
+            <a:r>
+              <a:rPr lang="en-US" altLang="ko-KR" sz="1200" dirty="0" smtClean="0"/>
+              <a:t>(</a:t>
+            </a:r>
+            <a:r>
+              <a:rPr lang="ko-KR" altLang="en-US" sz="1200" dirty="0" smtClean="0"/>
+              <a:t>의존 관계가 있으면 안됨</a:t>
+            </a:r>
+            <a:r>
+              <a:rPr lang="en-US" altLang="ko-KR" sz="1200" dirty="0" smtClean="0"/>
+              <a:t>) </a:t>
+            </a:r>
+            <a:br>
+              <a:rPr lang="en-US" altLang="ko-KR" sz="1200" dirty="0" smtClean="0"/>
+            </a:br>
+            <a:r>
+              <a:rPr lang="en-US" altLang="ko-KR" sz="1200" dirty="0" smtClean="0"/>
+              <a:t>Sol) </a:t>
+            </a:r>
+            <a:r>
+              <a:rPr lang="ko-KR" altLang="en-US" sz="1200" dirty="0" smtClean="0"/>
+              <a:t>각 </a:t>
+            </a:r>
+            <a:r>
+              <a:rPr lang="en-US" altLang="ko-KR" sz="1200" dirty="0" smtClean="0"/>
+              <a:t>method</a:t>
+            </a:r>
+            <a:r>
+              <a:rPr lang="ko-KR" altLang="en-US" sz="1200" dirty="0" smtClean="0"/>
+              <a:t>가 실행이 끝난 후 </a:t>
+            </a:r>
+            <a:r>
+              <a:rPr lang="en-US" altLang="ko-KR" sz="1200" dirty="0" smtClean="0"/>
+              <a:t>clear</a:t>
+            </a:r>
+            <a:r>
+              <a:rPr lang="ko-KR" altLang="en-US" sz="1200" dirty="0" smtClean="0"/>
+              <a:t>를 해주어야한다</a:t>
+            </a:r>
+            <a:r>
+              <a:rPr lang="en-US" altLang="ko-KR" sz="1200" dirty="0" smtClean="0"/>
+              <a:t>.</a:t>
+            </a:r>
+            <a:endParaRPr lang="ko-KR" altLang="en-US" sz="1200" dirty="0"/>
+          </a:p>
+        </p:txBody>
+      </p:sp>
+    </p:spTree>
+    <p:extLst>
+      <p:ext uri="{BB962C8B-B14F-4D97-AF65-F5344CB8AC3E}">
+        <p14:creationId xmlns:p14="http://schemas.microsoft.com/office/powerpoint/2010/main" val="2112489619"/>
+      </p:ext>
+    </p:extLst>
+  </p:cSld>
+  <p:clrMapOvr>
+    <a:masterClrMapping/>
+  </p:clrMapOvr>
+</p:sld>
+</file>
+
+<file path=ppt/slides/slide24.xml><?xml version="1.0" encoding="utf-8"?>
+<p:sld xmlns:a="http://schemas.openxmlformats.org/drawingml/2006/main" xmlns:r="http://schemas.openxmlformats.org/officeDocument/2006/relationships" xmlns:p="http://schemas.openxmlformats.org/presentationml/2006/main">
+  <p:cSld>
+    <p:spTree>
+      <p:nvGrpSpPr>
+        <p:cNvPr id="1" name=""/>
+        <p:cNvGrpSpPr/>
+        <p:nvPr/>
+      </p:nvGrpSpPr>
+      <p:grpSpPr>
+        <a:xfrm>
+          <a:off x="0" y="0"/>
+          <a:ext cx="0" cy="0"/>
+          <a:chOff x="0" y="0"/>
+          <a:chExt cx="0" cy="0"/>
+        </a:xfrm>
+      </p:grpSpPr>
+      <p:sp>
+        <p:nvSpPr>
+          <p:cNvPr id="2" name="제목 1"/>
+          <p:cNvSpPr>
+            <a:spLocks noGrp="1"/>
+          </p:cNvSpPr>
+          <p:nvPr>
+            <p:ph type="title"/>
+          </p:nvPr>
+        </p:nvSpPr>
+        <p:spPr/>
+        <p:txBody>
+          <a:bodyPr/>
+          <a:lstStyle/>
+          <a:p>
+            <a:r>
+              <a:rPr lang="en-US" altLang="ko-KR" dirty="0" smtClean="0"/>
+              <a:t>4-2. Test case </a:t>
+            </a:r>
+            <a:endParaRPr lang="ko-KR" altLang="en-US" dirty="0"/>
+          </a:p>
+        </p:txBody>
+      </p:sp>
+      <p:sp>
+        <p:nvSpPr>
+          <p:cNvPr id="3" name="내용 개체 틀 2"/>
+          <p:cNvSpPr>
+            <a:spLocks noGrp="1"/>
+          </p:cNvSpPr>
+          <p:nvPr>
+            <p:ph idx="1"/>
+          </p:nvPr>
+        </p:nvSpPr>
+        <p:spPr/>
+        <p:txBody>
+          <a:bodyPr/>
+          <a:lstStyle/>
+          <a:p>
+            <a:endParaRPr lang="en-US" altLang="ko-KR" dirty="0" smtClean="0"/>
+          </a:p>
+          <a:p>
+            <a:endParaRPr lang="en-US" altLang="ko-KR" dirty="0" smtClean="0"/>
+          </a:p>
+          <a:p>
+            <a:endParaRPr lang="en-US" altLang="ko-KR" dirty="0" smtClean="0"/>
+          </a:p>
+          <a:p>
+            <a:endParaRPr lang="en-US" altLang="ko-KR" dirty="0" smtClean="0"/>
+          </a:p>
+          <a:p>
+            <a:endParaRPr lang="en-US" altLang="ko-KR" dirty="0" smtClean="0"/>
+          </a:p>
+          <a:p>
+            <a:endParaRPr lang="en-US" altLang="ko-KR" sz="1000" dirty="0" smtClean="0"/>
+          </a:p>
+          <a:p>
+            <a:pPr marL="0" indent="0">
+              <a:buNone/>
+            </a:pPr>
+            <a:endParaRPr lang="en-US" altLang="ko-KR" dirty="0"/>
+          </a:p>
+        </p:txBody>
+      </p:sp>
+      <p:pic>
+        <p:nvPicPr>
+          <p:cNvPr id="4" name="그림 3"/>
+          <p:cNvPicPr>
+            <a:picLocks noChangeAspect="1"/>
+          </p:cNvPicPr>
+          <p:nvPr/>
+        </p:nvPicPr>
+        <p:blipFill>
+          <a:blip r:embed="rId2"/>
+          <a:stretch>
+            <a:fillRect/>
+          </a:stretch>
+        </p:blipFill>
+        <p:spPr>
+          <a:xfrm>
+            <a:off x="838200" y="1825625"/>
+            <a:ext cx="4194908" cy="1468438"/>
+          </a:xfrm>
+          <a:prstGeom prst="rect">
+            <a:avLst/>
+          </a:prstGeom>
+        </p:spPr>
+      </p:pic>
+      <p:pic>
+        <p:nvPicPr>
+          <p:cNvPr id="5" name="그림 4"/>
+          <p:cNvPicPr>
+            <a:picLocks noChangeAspect="1"/>
+          </p:cNvPicPr>
+          <p:nvPr/>
+        </p:nvPicPr>
+        <p:blipFill>
+          <a:blip r:embed="rId3"/>
+          <a:stretch>
+            <a:fillRect/>
+          </a:stretch>
+        </p:blipFill>
+        <p:spPr>
+          <a:xfrm>
+            <a:off x="838200" y="3294063"/>
+            <a:ext cx="4194908" cy="1262306"/>
+          </a:xfrm>
+          <a:prstGeom prst="rect">
+            <a:avLst/>
+          </a:prstGeom>
+        </p:spPr>
+      </p:pic>
+      <p:sp>
+        <p:nvSpPr>
+          <p:cNvPr id="8" name="TextBox 7"/>
+          <p:cNvSpPr txBox="1"/>
+          <p:nvPr/>
+        </p:nvSpPr>
+        <p:spPr>
+          <a:xfrm>
+            <a:off x="5134708" y="1906953"/>
+            <a:ext cx="4939324" cy="1015663"/>
+          </a:xfrm>
+          <a:prstGeom prst="rect">
+            <a:avLst/>
+          </a:prstGeom>
+          <a:noFill/>
+        </p:spPr>
+        <p:txBody>
+          <a:bodyPr wrap="square" rtlCol="0">
+            <a:spAutoFit/>
+          </a:bodyPr>
+          <a:lstStyle/>
+          <a:p>
+            <a:r>
+              <a:rPr lang="en-US" altLang="ko-KR" sz="1200" dirty="0" smtClean="0"/>
+              <a:t>1. </a:t>
+            </a:r>
+            <a:r>
+              <a:rPr lang="ko-KR" altLang="en-US" sz="1200" dirty="0" smtClean="0"/>
+              <a:t>개발 </a:t>
+            </a:r>
+            <a:r>
+              <a:rPr lang="en-US" altLang="ko-KR" sz="1200" dirty="0" smtClean="0"/>
+              <a:t>&gt; </a:t>
+            </a:r>
+            <a:r>
+              <a:rPr lang="ko-KR" altLang="en-US" sz="1200" dirty="0" smtClean="0"/>
+              <a:t>테스트 케이스 작성을 하여 코드 검증을 하였음</a:t>
+            </a:r>
+            <a:r>
+              <a:rPr lang="en-US" altLang="ko-KR" sz="1200" dirty="0" smtClean="0"/>
+              <a:t/>
+            </a:r>
+            <a:br>
+              <a:rPr lang="en-US" altLang="ko-KR" sz="1200" dirty="0" smtClean="0"/>
+            </a:br>
+            <a:r>
+              <a:rPr lang="en-US" altLang="ko-KR" sz="1200" dirty="0" smtClean="0"/>
+              <a:t>2. But </a:t>
+            </a:r>
+            <a:r>
+              <a:rPr lang="ko-KR" altLang="en-US" sz="1200" dirty="0" smtClean="0"/>
+              <a:t>테스트 케이스를 작성하고 개발 </a:t>
+            </a:r>
+            <a:r>
+              <a:rPr lang="ko-KR" altLang="en-US" sz="1200" dirty="0" err="1" smtClean="0"/>
+              <a:t>할수도</a:t>
+            </a:r>
+            <a:r>
+              <a:rPr lang="ko-KR" altLang="en-US" sz="1200" dirty="0" smtClean="0"/>
+              <a:t> 있음</a:t>
+            </a:r>
+            <a:r>
+              <a:rPr lang="en-US" altLang="ko-KR" sz="1200" dirty="0" smtClean="0"/>
+              <a:t/>
+            </a:r>
+            <a:br>
+              <a:rPr lang="en-US" altLang="ko-KR" sz="1200" dirty="0" smtClean="0"/>
+            </a:br>
+            <a:r>
+              <a:rPr lang="en-US" altLang="ko-KR" sz="1200" dirty="0" smtClean="0"/>
+              <a:t>  ex )  </a:t>
+            </a:r>
+            <a:r>
+              <a:rPr lang="ko-KR" altLang="en-US" sz="1200" dirty="0" smtClean="0"/>
+              <a:t>별 모양을 개발해야 되는 상황에서 별의 틀을 먼저 만들고 개         </a:t>
+            </a:r>
+            <a:r>
+              <a:rPr lang="en-US" altLang="ko-KR" sz="1200" dirty="0"/>
+              <a:t> </a:t>
+            </a:r>
+            <a:r>
+              <a:rPr lang="en-US" altLang="ko-KR" sz="1200" dirty="0" smtClean="0"/>
+              <a:t> 	</a:t>
+            </a:r>
+            <a:r>
+              <a:rPr lang="ko-KR" altLang="en-US" sz="1200" dirty="0" smtClean="0"/>
+              <a:t>발 후에 확인작업</a:t>
+            </a:r>
+            <a:r>
+              <a:rPr lang="en-US" altLang="ko-KR" sz="1200" dirty="0" smtClean="0"/>
+              <a:t>(</a:t>
+            </a:r>
+            <a:r>
+              <a:rPr lang="ko-KR" altLang="en-US" sz="1200" dirty="0" smtClean="0"/>
+              <a:t>테스트 </a:t>
+            </a:r>
+            <a:r>
+              <a:rPr lang="ko-KR" altLang="en-US" sz="1200" dirty="0" err="1" smtClean="0"/>
+              <a:t>주도개발</a:t>
+            </a:r>
+            <a:r>
+              <a:rPr lang="ko-KR" altLang="en-US" sz="1200" dirty="0" smtClean="0"/>
+              <a:t> </a:t>
+            </a:r>
+            <a:r>
+              <a:rPr lang="en-US" altLang="ko-KR" sz="1200" smtClean="0"/>
+              <a:t>= TDD)</a:t>
+            </a:r>
+            <a:r>
+              <a:rPr lang="en-US" altLang="ko-KR" sz="1200" dirty="0" smtClean="0"/>
+              <a:t/>
+            </a:r>
+            <a:br>
+              <a:rPr lang="en-US" altLang="ko-KR" sz="1200" dirty="0" smtClean="0"/>
+            </a:br>
+            <a:endParaRPr lang="ko-KR" altLang="en-US" sz="1200" dirty="0"/>
+          </a:p>
+        </p:txBody>
+      </p:sp>
+    </p:spTree>
+    <p:extLst>
+      <p:ext uri="{BB962C8B-B14F-4D97-AF65-F5344CB8AC3E}">
+        <p14:creationId xmlns:p14="http://schemas.microsoft.com/office/powerpoint/2010/main" val="1474141723"/>
+      </p:ext>
+    </p:extLst>
+  </p:cSld>
+  <p:clrMapOvr>
+    <a:masterClrMapping/>
+  </p:clrMapOvr>
+</p:sld>
+</file>
+
 <file path=ppt/slides/slide3.xml><?xml version="1.0" encoding="utf-8"?>
 <p:sld xmlns:a="http://schemas.openxmlformats.org/drawingml/2006/main" xmlns:r="http://schemas.openxmlformats.org/officeDocument/2006/relationships" xmlns:p="http://schemas.openxmlformats.org/presentationml/2006/main">
   <p:cSld>

--- a/Spring-basic.pptx
+++ b/Spring-basic.pptx
@@ -29,6 +29,7 @@
     <p:sldId id="277" r:id="rId23"/>
     <p:sldId id="278" r:id="rId24"/>
     <p:sldId id="279" r:id="rId25"/>
+    <p:sldId id="280" r:id="rId26"/>
   </p:sldIdLst>
   <p:sldSz cx="12192000" cy="6858000"/>
   <p:notesSz cx="6858000" cy="9144000"/>
@@ -5793,6 +5794,126 @@
 </p:sld>
 </file>
 
+<file path=ppt/slides/slide25.xml><?xml version="1.0" encoding="utf-8"?>
+<p:sld xmlns:a="http://schemas.openxmlformats.org/drawingml/2006/main" xmlns:r="http://schemas.openxmlformats.org/officeDocument/2006/relationships" xmlns:p="http://schemas.openxmlformats.org/presentationml/2006/main">
+  <p:cSld>
+    <p:spTree>
+      <p:nvGrpSpPr>
+        <p:cNvPr id="1" name=""/>
+        <p:cNvGrpSpPr/>
+        <p:nvPr/>
+      </p:nvGrpSpPr>
+      <p:grpSpPr>
+        <a:xfrm>
+          <a:off x="0" y="0"/>
+          <a:ext cx="0" cy="0"/>
+          <a:chOff x="0" y="0"/>
+          <a:chExt cx="0" cy="0"/>
+        </a:xfrm>
+      </p:grpSpPr>
+      <p:sp>
+        <p:nvSpPr>
+          <p:cNvPr id="2" name="제목 1"/>
+          <p:cNvSpPr>
+            <a:spLocks noGrp="1"/>
+          </p:cNvSpPr>
+          <p:nvPr>
+            <p:ph type="title"/>
+          </p:nvPr>
+        </p:nvSpPr>
+        <p:spPr/>
+        <p:txBody>
+          <a:bodyPr/>
+          <a:lstStyle/>
+          <a:p>
+            <a:r>
+              <a:rPr lang="en-US" altLang="ko-KR" dirty="0" smtClean="0"/>
+              <a:t>5-1 Spring Bean</a:t>
+            </a:r>
+            <a:endParaRPr lang="ko-KR" altLang="en-US" dirty="0"/>
+          </a:p>
+        </p:txBody>
+      </p:sp>
+      <p:sp>
+        <p:nvSpPr>
+          <p:cNvPr id="3" name="내용 개체 틀 2"/>
+          <p:cNvSpPr>
+            <a:spLocks noGrp="1"/>
+          </p:cNvSpPr>
+          <p:nvPr>
+            <p:ph idx="1"/>
+          </p:nvPr>
+        </p:nvSpPr>
+        <p:spPr/>
+        <p:txBody>
+          <a:bodyPr/>
+          <a:lstStyle/>
+          <a:p>
+            <a:endParaRPr lang="ko-KR" altLang="en-US"/>
+          </a:p>
+        </p:txBody>
+      </p:sp>
+      <p:pic>
+        <p:nvPicPr>
+          <p:cNvPr id="4" name="그림 3"/>
+          <p:cNvPicPr>
+            <a:picLocks noChangeAspect="1"/>
+          </p:cNvPicPr>
+          <p:nvPr/>
+        </p:nvPicPr>
+        <p:blipFill>
+          <a:blip r:embed="rId2"/>
+          <a:stretch>
+            <a:fillRect/>
+          </a:stretch>
+        </p:blipFill>
+        <p:spPr>
+          <a:xfrm>
+            <a:off x="694348" y="1825625"/>
+            <a:ext cx="6457950" cy="4168775"/>
+          </a:xfrm>
+          <a:prstGeom prst="rect">
+            <a:avLst/>
+          </a:prstGeom>
+        </p:spPr>
+      </p:pic>
+      <p:pic>
+        <p:nvPicPr>
+          <p:cNvPr id="5" name="그림 4"/>
+          <p:cNvPicPr>
+            <a:picLocks noChangeAspect="1"/>
+          </p:cNvPicPr>
+          <p:nvPr/>
+        </p:nvPicPr>
+        <p:blipFill>
+          <a:blip r:embed="rId3"/>
+          <a:stretch>
+            <a:fillRect/>
+          </a:stretch>
+        </p:blipFill>
+        <p:spPr>
+          <a:xfrm>
+            <a:off x="7221415" y="1847850"/>
+            <a:ext cx="4132385" cy="4146550"/>
+          </a:xfrm>
+          <a:prstGeom prst="rect">
+            <a:avLst/>
+          </a:prstGeom>
+        </p:spPr>
+      </p:pic>
+    </p:spTree>
+    <p:extLst>
+      <p:ext uri="{BB962C8B-B14F-4D97-AF65-F5344CB8AC3E}">
+        <p14:creationId xmlns:p14="http://schemas.microsoft.com/office/powerpoint/2010/main" val="1804043187"/>
+      </p:ext>
+    </p:extLst>
+  </p:cSld>
+  <p:clrMapOvr>
+    <a:masterClrMapping/>
+  </p:clrMapOvr>
+</p:sld>
+</file>
+
 <file path=ppt/slides/slide3.xml><?xml version="1.0" encoding="utf-8"?>
 <p:sld xmlns:a="http://schemas.openxmlformats.org/drawingml/2006/main" xmlns:r="http://schemas.openxmlformats.org/officeDocument/2006/relationships" xmlns:p="http://schemas.openxmlformats.org/presentationml/2006/main">
   <p:cSld>

--- a/Spring-basic.pptx
+++ b/Spring-basic.pptx
@@ -30,6 +30,10 @@
     <p:sldId id="278" r:id="rId24"/>
     <p:sldId id="279" r:id="rId25"/>
     <p:sldId id="280" r:id="rId26"/>
+    <p:sldId id="281" r:id="rId27"/>
+    <p:sldId id="282" r:id="rId28"/>
+    <p:sldId id="283" r:id="rId29"/>
+    <p:sldId id="284" r:id="rId30"/>
   </p:sldIdLst>
   <p:sldSz cx="12192000" cy="6858000"/>
   <p:notesSz cx="6858000" cy="9144000"/>
@@ -267,7 +271,7 @@
           <a:p>
             <a:fld id="{7C97A641-14F4-4569-AFF8-7D41B3522D77}" type="datetimeFigureOut">
               <a:rPr lang="ko-KR" altLang="en-US" smtClean="0"/>
-              <a:t>2022-08-02</a:t>
+              <a:t>2022-08-04</a:t>
             </a:fld>
             <a:endParaRPr lang="ko-KR" altLang="en-US"/>
           </a:p>
@@ -437,7 +441,7 @@
           <a:p>
             <a:fld id="{7C97A641-14F4-4569-AFF8-7D41B3522D77}" type="datetimeFigureOut">
               <a:rPr lang="ko-KR" altLang="en-US" smtClean="0"/>
-              <a:t>2022-08-02</a:t>
+              <a:t>2022-08-04</a:t>
             </a:fld>
             <a:endParaRPr lang="ko-KR" altLang="en-US"/>
           </a:p>
@@ -617,7 +621,7 @@
           <a:p>
             <a:fld id="{7C97A641-14F4-4569-AFF8-7D41B3522D77}" type="datetimeFigureOut">
               <a:rPr lang="ko-KR" altLang="en-US" smtClean="0"/>
-              <a:t>2022-08-02</a:t>
+              <a:t>2022-08-04</a:t>
             </a:fld>
             <a:endParaRPr lang="ko-KR" altLang="en-US"/>
           </a:p>
@@ -787,7 +791,7 @@
           <a:p>
             <a:fld id="{7C97A641-14F4-4569-AFF8-7D41B3522D77}" type="datetimeFigureOut">
               <a:rPr lang="ko-KR" altLang="en-US" smtClean="0"/>
-              <a:t>2022-08-02</a:t>
+              <a:t>2022-08-04</a:t>
             </a:fld>
             <a:endParaRPr lang="ko-KR" altLang="en-US"/>
           </a:p>
@@ -1033,7 +1037,7 @@
           <a:p>
             <a:fld id="{7C97A641-14F4-4569-AFF8-7D41B3522D77}" type="datetimeFigureOut">
               <a:rPr lang="ko-KR" altLang="en-US" smtClean="0"/>
-              <a:t>2022-08-02</a:t>
+              <a:t>2022-08-04</a:t>
             </a:fld>
             <a:endParaRPr lang="ko-KR" altLang="en-US"/>
           </a:p>
@@ -1265,7 +1269,7 @@
           <a:p>
             <a:fld id="{7C97A641-14F4-4569-AFF8-7D41B3522D77}" type="datetimeFigureOut">
               <a:rPr lang="ko-KR" altLang="en-US" smtClean="0"/>
-              <a:t>2022-08-02</a:t>
+              <a:t>2022-08-04</a:t>
             </a:fld>
             <a:endParaRPr lang="ko-KR" altLang="en-US"/>
           </a:p>
@@ -1632,7 +1636,7 @@
           <a:p>
             <a:fld id="{7C97A641-14F4-4569-AFF8-7D41B3522D77}" type="datetimeFigureOut">
               <a:rPr lang="ko-KR" altLang="en-US" smtClean="0"/>
-              <a:t>2022-08-02</a:t>
+              <a:t>2022-08-04</a:t>
             </a:fld>
             <a:endParaRPr lang="ko-KR" altLang="en-US"/>
           </a:p>
@@ -1750,7 +1754,7 @@
           <a:p>
             <a:fld id="{7C97A641-14F4-4569-AFF8-7D41B3522D77}" type="datetimeFigureOut">
               <a:rPr lang="ko-KR" altLang="en-US" smtClean="0"/>
-              <a:t>2022-08-02</a:t>
+              <a:t>2022-08-04</a:t>
             </a:fld>
             <a:endParaRPr lang="ko-KR" altLang="en-US"/>
           </a:p>
@@ -1845,7 +1849,7 @@
           <a:p>
             <a:fld id="{7C97A641-14F4-4569-AFF8-7D41B3522D77}" type="datetimeFigureOut">
               <a:rPr lang="ko-KR" altLang="en-US" smtClean="0"/>
-              <a:t>2022-08-02</a:t>
+              <a:t>2022-08-04</a:t>
             </a:fld>
             <a:endParaRPr lang="ko-KR" altLang="en-US"/>
           </a:p>
@@ -2122,7 +2126,7 @@
           <a:p>
             <a:fld id="{7C97A641-14F4-4569-AFF8-7D41B3522D77}" type="datetimeFigureOut">
               <a:rPr lang="ko-KR" altLang="en-US" smtClean="0"/>
-              <a:t>2022-08-02</a:t>
+              <a:t>2022-08-04</a:t>
             </a:fld>
             <a:endParaRPr lang="ko-KR" altLang="en-US"/>
           </a:p>
@@ -2375,7 +2379,7 @@
           <a:p>
             <a:fld id="{7C97A641-14F4-4569-AFF8-7D41B3522D77}" type="datetimeFigureOut">
               <a:rPr lang="ko-KR" altLang="en-US" smtClean="0"/>
-              <a:t>2022-08-02</a:t>
+              <a:t>2022-08-04</a:t>
             </a:fld>
             <a:endParaRPr lang="ko-KR" altLang="en-US"/>
           </a:p>
@@ -2588,7 +2592,7 @@
           <a:p>
             <a:fld id="{7C97A641-14F4-4569-AFF8-7D41B3522D77}" type="datetimeFigureOut">
               <a:rPr lang="ko-KR" altLang="en-US" smtClean="0"/>
-              <a:t>2022-08-02</a:t>
+              <a:t>2022-08-04</a:t>
             </a:fld>
             <a:endParaRPr lang="ko-KR" altLang="en-US"/>
           </a:p>
@@ -5914,6 +5918,919 @@
 </p:sld>
 </file>
 
+<file path=ppt/slides/slide26.xml><?xml version="1.0" encoding="utf-8"?>
+<p:sld xmlns:a="http://schemas.openxmlformats.org/drawingml/2006/main" xmlns:r="http://schemas.openxmlformats.org/officeDocument/2006/relationships" xmlns:p="http://schemas.openxmlformats.org/presentationml/2006/main">
+  <p:cSld>
+    <p:spTree>
+      <p:nvGrpSpPr>
+        <p:cNvPr id="1" name=""/>
+        <p:cNvGrpSpPr/>
+        <p:nvPr/>
+      </p:nvGrpSpPr>
+      <p:grpSpPr>
+        <a:xfrm>
+          <a:off x="0" y="0"/>
+          <a:ext cx="0" cy="0"/>
+          <a:chOff x="0" y="0"/>
+          <a:chExt cx="0" cy="0"/>
+        </a:xfrm>
+      </p:grpSpPr>
+      <p:sp>
+        <p:nvSpPr>
+          <p:cNvPr id="2" name="제목 1"/>
+          <p:cNvSpPr>
+            <a:spLocks noGrp="1"/>
+          </p:cNvSpPr>
+          <p:nvPr>
+            <p:ph type="title"/>
+          </p:nvPr>
+        </p:nvSpPr>
+        <p:spPr/>
+        <p:txBody>
+          <a:bodyPr/>
+          <a:lstStyle/>
+          <a:p>
+            <a:r>
+              <a:rPr lang="en-US" altLang="ko-KR" dirty="0" smtClean="0"/>
+              <a:t>6-1. </a:t>
+            </a:r>
+            <a:r>
+              <a:rPr lang="ko-KR" altLang="en-US" dirty="0" smtClean="0"/>
+              <a:t>스프링 </a:t>
+            </a:r>
+            <a:r>
+              <a:rPr lang="en-US" altLang="ko-KR" dirty="0" smtClean="0"/>
+              <a:t>DB </a:t>
+            </a:r>
+            <a:r>
+              <a:rPr lang="ko-KR" altLang="en-US" dirty="0" smtClean="0"/>
+              <a:t>접근 기술</a:t>
+            </a:r>
+            <a:endParaRPr lang="ko-KR" altLang="en-US" dirty="0"/>
+          </a:p>
+        </p:txBody>
+      </p:sp>
+      <p:pic>
+        <p:nvPicPr>
+          <p:cNvPr id="4" name="내용 개체 틀 3"/>
+          <p:cNvPicPr>
+            <a:picLocks noGrp="1" noChangeAspect="1"/>
+          </p:cNvPicPr>
+          <p:nvPr>
+            <p:ph idx="1"/>
+          </p:nvPr>
+        </p:nvPicPr>
+        <p:blipFill>
+          <a:blip r:embed="rId2"/>
+          <a:stretch>
+            <a:fillRect/>
+          </a:stretch>
+        </p:blipFill>
+        <p:spPr>
+          <a:xfrm>
+            <a:off x="838200" y="1817810"/>
+            <a:ext cx="4081703" cy="4351338"/>
+          </a:xfrm>
+          <a:prstGeom prst="rect">
+            <a:avLst/>
+          </a:prstGeom>
+        </p:spPr>
+      </p:pic>
+      <p:cxnSp>
+        <p:nvCxnSpPr>
+          <p:cNvPr id="6" name="직선 화살표 연결선 5"/>
+          <p:cNvCxnSpPr/>
+          <p:nvPr/>
+        </p:nvCxnSpPr>
+        <p:spPr>
+          <a:xfrm>
+            <a:off x="2102338" y="2930769"/>
+            <a:ext cx="1164493" cy="7816"/>
+          </a:xfrm>
+          <a:prstGeom prst="straightConnector1">
+            <a:avLst/>
+          </a:prstGeom>
+          <a:ln>
+            <a:tailEnd type="triangle"/>
+          </a:ln>
+        </p:spPr>
+        <p:style>
+          <a:lnRef idx="1">
+            <a:schemeClr val="accent1"/>
+          </a:lnRef>
+          <a:fillRef idx="0">
+            <a:schemeClr val="accent1"/>
+          </a:fillRef>
+          <a:effectRef idx="0">
+            <a:schemeClr val="accent1"/>
+          </a:effectRef>
+          <a:fontRef idx="minor">
+            <a:schemeClr val="tx1"/>
+          </a:fontRef>
+        </p:style>
+      </p:cxnSp>
+      <p:sp>
+        <p:nvSpPr>
+          <p:cNvPr id="7" name="TextBox 6"/>
+          <p:cNvSpPr txBox="1"/>
+          <p:nvPr/>
+        </p:nvSpPr>
+        <p:spPr>
+          <a:xfrm>
+            <a:off x="2969847" y="2569253"/>
+            <a:ext cx="1422400" cy="307777"/>
+          </a:xfrm>
+          <a:prstGeom prst="rect">
+            <a:avLst/>
+          </a:prstGeom>
+          <a:noFill/>
+        </p:spPr>
+        <p:txBody>
+          <a:bodyPr wrap="square" rtlCol="0">
+            <a:spAutoFit/>
+          </a:bodyPr>
+          <a:lstStyle/>
+          <a:p>
+            <a:r>
+              <a:rPr lang="en-US" altLang="ko-KR" sz="1400" dirty="0" smtClean="0"/>
+              <a:t>DB-Spring</a:t>
+            </a:r>
+            <a:endParaRPr lang="ko-KR" altLang="en-US" sz="1400" dirty="0"/>
+          </a:p>
+        </p:txBody>
+      </p:sp>
+      <p:cxnSp>
+        <p:nvCxnSpPr>
+          <p:cNvPr id="11" name="직선 화살표 연결선 10"/>
+          <p:cNvCxnSpPr/>
+          <p:nvPr/>
+        </p:nvCxnSpPr>
+        <p:spPr>
+          <a:xfrm>
+            <a:off x="1805354" y="3292285"/>
+            <a:ext cx="1164493" cy="7816"/>
+          </a:xfrm>
+          <a:prstGeom prst="straightConnector1">
+            <a:avLst/>
+          </a:prstGeom>
+          <a:ln>
+            <a:tailEnd type="triangle"/>
+          </a:ln>
+        </p:spPr>
+        <p:style>
+          <a:lnRef idx="1">
+            <a:schemeClr val="accent1"/>
+          </a:lnRef>
+          <a:fillRef idx="0">
+            <a:schemeClr val="accent1"/>
+          </a:fillRef>
+          <a:effectRef idx="0">
+            <a:schemeClr val="accent1"/>
+          </a:effectRef>
+          <a:fontRef idx="minor">
+            <a:schemeClr val="tx1"/>
+          </a:fontRef>
+        </p:style>
+      </p:cxnSp>
+      <p:sp>
+        <p:nvSpPr>
+          <p:cNvPr id="12" name="TextBox 11"/>
+          <p:cNvSpPr txBox="1"/>
+          <p:nvPr/>
+        </p:nvSpPr>
+        <p:spPr>
+          <a:xfrm>
+            <a:off x="2879051" y="3065707"/>
+            <a:ext cx="4983226" cy="276999"/>
+          </a:xfrm>
+          <a:prstGeom prst="rect">
+            <a:avLst/>
+          </a:prstGeom>
+          <a:noFill/>
+        </p:spPr>
+        <p:txBody>
+          <a:bodyPr wrap="square" rtlCol="0">
+            <a:spAutoFit/>
+          </a:bodyPr>
+          <a:lstStyle/>
+          <a:p>
+            <a:r>
+              <a:rPr lang="en-US" altLang="ko-KR" sz="1200" dirty="0" smtClean="0"/>
+              <a:t>SQL </a:t>
+            </a:r>
+            <a:r>
+              <a:rPr lang="ko-KR" altLang="en-US" sz="1200" dirty="0" err="1" smtClean="0"/>
+              <a:t>사용안하고</a:t>
+            </a:r>
+            <a:r>
+              <a:rPr lang="ko-KR" altLang="en-US" sz="1200" dirty="0" smtClean="0"/>
+              <a:t> 객체를 </a:t>
+            </a:r>
+            <a:r>
+              <a:rPr lang="en-US" altLang="ko-KR" sz="1200" dirty="0" smtClean="0"/>
+              <a:t>DB</a:t>
+            </a:r>
+            <a:r>
+              <a:rPr lang="ko-KR" altLang="en-US" sz="1200" dirty="0" smtClean="0"/>
+              <a:t>에 쿼리 없이 저장</a:t>
+            </a:r>
+            <a:endParaRPr lang="ko-KR" altLang="en-US" sz="1200" dirty="0"/>
+          </a:p>
+        </p:txBody>
+      </p:sp>
+      <p:sp>
+        <p:nvSpPr>
+          <p:cNvPr id="13" name="TextBox 12"/>
+          <p:cNvSpPr txBox="1"/>
+          <p:nvPr/>
+        </p:nvSpPr>
+        <p:spPr>
+          <a:xfrm>
+            <a:off x="3266831" y="3351474"/>
+            <a:ext cx="4983226" cy="276999"/>
+          </a:xfrm>
+          <a:prstGeom prst="rect">
+            <a:avLst/>
+          </a:prstGeom>
+          <a:noFill/>
+        </p:spPr>
+        <p:txBody>
+          <a:bodyPr wrap="square" rtlCol="0">
+            <a:spAutoFit/>
+          </a:bodyPr>
+          <a:lstStyle/>
+          <a:p>
+            <a:r>
+              <a:rPr lang="en-US" altLang="ko-KR" sz="1200" dirty="0" smtClean="0"/>
+              <a:t>JPA</a:t>
+            </a:r>
+            <a:r>
+              <a:rPr lang="ko-KR" altLang="en-US" sz="1200" dirty="0" smtClean="0"/>
+              <a:t>를 </a:t>
+            </a:r>
+            <a:r>
+              <a:rPr lang="en-US" altLang="ko-KR" sz="1200" dirty="0" smtClean="0"/>
+              <a:t>Spring</a:t>
+            </a:r>
+            <a:r>
+              <a:rPr lang="ko-KR" altLang="en-US" sz="1200" dirty="0" smtClean="0"/>
+              <a:t>으로 전환</a:t>
+            </a:r>
+            <a:endParaRPr lang="ko-KR" altLang="en-US" sz="1200" dirty="0"/>
+          </a:p>
+        </p:txBody>
+      </p:sp>
+      <p:cxnSp>
+        <p:nvCxnSpPr>
+          <p:cNvPr id="14" name="직선 화살표 연결선 13"/>
+          <p:cNvCxnSpPr/>
+          <p:nvPr/>
+        </p:nvCxnSpPr>
+        <p:spPr>
+          <a:xfrm>
+            <a:off x="2200031" y="3549922"/>
+            <a:ext cx="1164493" cy="7816"/>
+          </a:xfrm>
+          <a:prstGeom prst="straightConnector1">
+            <a:avLst/>
+          </a:prstGeom>
+          <a:ln>
+            <a:tailEnd type="triangle"/>
+          </a:ln>
+        </p:spPr>
+        <p:style>
+          <a:lnRef idx="1">
+            <a:schemeClr val="accent1"/>
+          </a:lnRef>
+          <a:fillRef idx="0">
+            <a:schemeClr val="accent1"/>
+          </a:fillRef>
+          <a:effectRef idx="0">
+            <a:schemeClr val="accent1"/>
+          </a:effectRef>
+          <a:fontRef idx="minor">
+            <a:schemeClr val="tx1"/>
+          </a:fontRef>
+        </p:style>
+      </p:cxnSp>
+    </p:spTree>
+    <p:extLst>
+      <p:ext uri="{BB962C8B-B14F-4D97-AF65-F5344CB8AC3E}">
+        <p14:creationId xmlns:p14="http://schemas.microsoft.com/office/powerpoint/2010/main" val="3961426349"/>
+      </p:ext>
+    </p:extLst>
+  </p:cSld>
+  <p:clrMapOvr>
+    <a:masterClrMapping/>
+  </p:clrMapOvr>
+</p:sld>
+</file>
+
+<file path=ppt/slides/slide27.xml><?xml version="1.0" encoding="utf-8"?>
+<p:sld xmlns:a="http://schemas.openxmlformats.org/drawingml/2006/main" xmlns:r="http://schemas.openxmlformats.org/officeDocument/2006/relationships" xmlns:p="http://schemas.openxmlformats.org/presentationml/2006/main">
+  <p:cSld>
+    <p:spTree>
+      <p:nvGrpSpPr>
+        <p:cNvPr id="1" name=""/>
+        <p:cNvGrpSpPr/>
+        <p:nvPr/>
+      </p:nvGrpSpPr>
+      <p:grpSpPr>
+        <a:xfrm>
+          <a:off x="0" y="0"/>
+          <a:ext cx="0" cy="0"/>
+          <a:chOff x="0" y="0"/>
+          <a:chExt cx="0" cy="0"/>
+        </a:xfrm>
+      </p:grpSpPr>
+      <p:sp>
+        <p:nvSpPr>
+          <p:cNvPr id="2" name="제목 1"/>
+          <p:cNvSpPr>
+            <a:spLocks noGrp="1"/>
+          </p:cNvSpPr>
+          <p:nvPr>
+            <p:ph type="title"/>
+          </p:nvPr>
+        </p:nvSpPr>
+        <p:spPr/>
+        <p:txBody>
+          <a:bodyPr/>
+          <a:lstStyle/>
+          <a:p>
+            <a:r>
+              <a:rPr lang="en-US" altLang="ko-KR" dirty="0" smtClean="0"/>
+              <a:t>6-1. h2 DB</a:t>
+            </a:r>
+            <a:r>
+              <a:rPr lang="ko-KR" altLang="en-US" dirty="0" smtClean="0"/>
+              <a:t>연결</a:t>
+            </a:r>
+            <a:endParaRPr lang="ko-KR" altLang="en-US" dirty="0"/>
+          </a:p>
+        </p:txBody>
+      </p:sp>
+      <p:pic>
+        <p:nvPicPr>
+          <p:cNvPr id="13" name="내용 개체 틀 12"/>
+          <p:cNvPicPr>
+            <a:picLocks noGrp="1" noChangeAspect="1"/>
+          </p:cNvPicPr>
+          <p:nvPr>
+            <p:ph idx="1"/>
+          </p:nvPr>
+        </p:nvPicPr>
+        <p:blipFill>
+          <a:blip r:embed="rId2"/>
+          <a:stretch>
+            <a:fillRect/>
+          </a:stretch>
+        </p:blipFill>
+        <p:spPr>
+          <a:xfrm>
+            <a:off x="5545282" y="4157052"/>
+            <a:ext cx="4953000" cy="1819275"/>
+          </a:xfrm>
+          <a:prstGeom prst="rect">
+            <a:avLst/>
+          </a:prstGeom>
+        </p:spPr>
+      </p:pic>
+      <p:pic>
+        <p:nvPicPr>
+          <p:cNvPr id="4" name="그림 3"/>
+          <p:cNvPicPr>
+            <a:picLocks noChangeAspect="1"/>
+          </p:cNvPicPr>
+          <p:nvPr/>
+        </p:nvPicPr>
+        <p:blipFill>
+          <a:blip r:embed="rId3"/>
+          <a:stretch>
+            <a:fillRect/>
+          </a:stretch>
+        </p:blipFill>
+        <p:spPr>
+          <a:xfrm>
+            <a:off x="838200" y="1825625"/>
+            <a:ext cx="4438650" cy="3324225"/>
+          </a:xfrm>
+          <a:prstGeom prst="rect">
+            <a:avLst/>
+          </a:prstGeom>
+        </p:spPr>
+      </p:pic>
+      <p:cxnSp>
+        <p:nvCxnSpPr>
+          <p:cNvPr id="6" name="직선 화살표 연결선 5"/>
+          <p:cNvCxnSpPr/>
+          <p:nvPr/>
+        </p:nvCxnSpPr>
+        <p:spPr>
+          <a:xfrm flipV="1">
+            <a:off x="3084022" y="3790604"/>
+            <a:ext cx="1313411" cy="8312"/>
+          </a:xfrm>
+          <a:prstGeom prst="straightConnector1">
+            <a:avLst/>
+          </a:prstGeom>
+          <a:ln>
+            <a:tailEnd type="triangle"/>
+          </a:ln>
+        </p:spPr>
+        <p:style>
+          <a:lnRef idx="1">
+            <a:schemeClr val="accent1"/>
+          </a:lnRef>
+          <a:fillRef idx="0">
+            <a:schemeClr val="accent1"/>
+          </a:fillRef>
+          <a:effectRef idx="0">
+            <a:schemeClr val="accent1"/>
+          </a:effectRef>
+          <a:fontRef idx="minor">
+            <a:schemeClr val="tx1"/>
+          </a:fontRef>
+        </p:style>
+      </p:cxnSp>
+      <p:sp>
+        <p:nvSpPr>
+          <p:cNvPr id="7" name="TextBox 6"/>
+          <p:cNvSpPr txBox="1"/>
+          <p:nvPr/>
+        </p:nvSpPr>
+        <p:spPr>
+          <a:xfrm>
+            <a:off x="4679366" y="3614250"/>
+            <a:ext cx="6071244" cy="369332"/>
+          </a:xfrm>
+          <a:prstGeom prst="rect">
+            <a:avLst/>
+          </a:prstGeom>
+          <a:noFill/>
+        </p:spPr>
+        <p:txBody>
+          <a:bodyPr wrap="square" rtlCol="0">
+            <a:spAutoFit/>
+          </a:bodyPr>
+          <a:lstStyle/>
+          <a:p>
+            <a:r>
+              <a:rPr lang="en-US" altLang="ko-KR" dirty="0"/>
+              <a:t>j</a:t>
+            </a:r>
+            <a:r>
+              <a:rPr lang="en-US" altLang="ko-KR" dirty="0" smtClean="0"/>
+              <a:t>dbc:h2:tcp://localhost/~/test  || </a:t>
+            </a:r>
+            <a:r>
+              <a:rPr lang="ko-KR" altLang="en-US" dirty="0" smtClean="0"/>
+              <a:t>추가적으로 폴더 만들기</a:t>
+            </a:r>
+            <a:endParaRPr lang="ko-KR" altLang="en-US" dirty="0"/>
+          </a:p>
+        </p:txBody>
+      </p:sp>
+      <p:sp>
+        <p:nvSpPr>
+          <p:cNvPr id="8" name="TextBox 7"/>
+          <p:cNvSpPr txBox="1"/>
+          <p:nvPr/>
+        </p:nvSpPr>
+        <p:spPr>
+          <a:xfrm>
+            <a:off x="5276850" y="2333390"/>
+            <a:ext cx="3316778" cy="369332"/>
+          </a:xfrm>
+          <a:prstGeom prst="rect">
+            <a:avLst/>
+          </a:prstGeom>
+          <a:noFill/>
+        </p:spPr>
+        <p:txBody>
+          <a:bodyPr wrap="square" rtlCol="0">
+            <a:spAutoFit/>
+          </a:bodyPr>
+          <a:lstStyle/>
+          <a:p>
+            <a:endParaRPr lang="ko-KR" altLang="en-US" dirty="0"/>
+          </a:p>
+        </p:txBody>
+      </p:sp>
+      <p:sp>
+        <p:nvSpPr>
+          <p:cNvPr id="10" name="Rectangle 2"/>
+          <p:cNvSpPr>
+            <a:spLocks noChangeArrowheads="1"/>
+          </p:cNvSpPr>
+          <p:nvPr/>
+        </p:nvSpPr>
+        <p:spPr bwMode="auto">
+          <a:xfrm>
+            <a:off x="5347337" y="2471890"/>
+            <a:ext cx="2822442" cy="230832"/>
+          </a:xfrm>
+          <a:prstGeom prst="rect">
+            <a:avLst/>
+          </a:prstGeom>
+          <a:solidFill>
+            <a:srgbClr val="2B2B2B"/>
+          </a:solidFill>
+          <a:ln>
+            <a:noFill/>
+          </a:ln>
+          <a:effectLst/>
+          <a:extLst>
+            <a:ext uri="{91240B29-F687-4F45-9708-019B960494DF}">
+              <a14:hiddenLine xmlns:a14="http://schemas.microsoft.com/office/drawing/2010/main" w="9525">
+                <a:solidFill>
+                  <a:schemeClr val="tx1"/>
+                </a:solidFill>
+                <a:miter lim="800000"/>
+                <a:headEnd/>
+                <a:tailEnd/>
+              </a14:hiddenLine>
+            </a:ext>
+            <a:ext uri="{AF507438-7753-43E0-B8FC-AC1667EBCBE1}">
+              <a14:hiddenEffects xmlns:a14="http://schemas.microsoft.com/office/drawing/2010/main">
+                <a:effectLst>
+                  <a:outerShdw dist="35921" dir="2700000" algn="ctr" rotWithShape="0">
+                    <a:schemeClr val="bg2"/>
+                  </a:outerShdw>
+                </a:effectLst>
+              </a14:hiddenEffects>
+            </a:ext>
+          </a:extLst>
+        </p:spPr>
+        <p:txBody>
+          <a:bodyPr vert="horz" wrap="square" lIns="91440" tIns="45720" rIns="91440" bIns="45720" numCol="1" anchor="ctr" anchorCtr="0" compatLnSpc="1">
+            <a:prstTxWarp prst="textNoShape">
+              <a:avLst/>
+            </a:prstTxWarp>
+            <a:spAutoFit/>
+          </a:bodyPr>
+          <a:lstStyle/>
+          <a:p>
+            <a:pPr marL="0" marR="0" lvl="0" indent="0" algn="l" defTabSz="914400" rtl="0" eaLnBrk="0" fontAlgn="base" latinLnBrk="0" hangingPunct="0">
+              <a:lnSpc>
+                <a:spcPct val="100000"/>
+              </a:lnSpc>
+              <a:spcBef>
+                <a:spcPct val="0"/>
+              </a:spcBef>
+              <a:spcAft>
+                <a:spcPct val="0"/>
+              </a:spcAft>
+              <a:buClrTx/>
+              <a:buSzTx/>
+              <a:buFontTx/>
+              <a:buNone/>
+              <a:tabLst/>
+            </a:pPr>
+            <a:r>
+              <a:rPr kumimoji="0" lang="ko-KR" altLang="ko-KR" sz="900" b="0" i="0" u="none" strike="noStrike" cap="none" normalizeH="0" baseline="0" dirty="0" smtClean="0">
+                <a:ln>
+                  <a:noFill/>
+                </a:ln>
+                <a:solidFill>
+                  <a:srgbClr val="CC7832"/>
+                </a:solidFill>
+                <a:effectLst/>
+                <a:latin typeface="Arial Unicode MS"/>
+                <a:ea typeface="JetBrains Mono"/>
+              </a:rPr>
+              <a:t>//spring.h2.console.enabled</a:t>
+            </a:r>
+            <a:r>
+              <a:rPr kumimoji="0" lang="ko-KR" altLang="ko-KR" sz="900" b="0" i="0" u="none" strike="noStrike" cap="none" normalizeH="0" baseline="0" dirty="0" smtClean="0">
+                <a:ln>
+                  <a:noFill/>
+                </a:ln>
+                <a:solidFill>
+                  <a:srgbClr val="808080"/>
+                </a:solidFill>
+                <a:effectLst/>
+                <a:latin typeface="Arial Unicode MS"/>
+                <a:ea typeface="JetBrains Mono"/>
+              </a:rPr>
+              <a:t>=</a:t>
+            </a:r>
+            <a:r>
+              <a:rPr kumimoji="0" lang="ko-KR" altLang="ko-KR" sz="900" b="0" i="0" u="none" strike="noStrike" cap="none" normalizeH="0" baseline="0" dirty="0" err="1" smtClean="0">
+                <a:ln>
+                  <a:noFill/>
+                </a:ln>
+                <a:solidFill>
+                  <a:srgbClr val="6A8759"/>
+                </a:solidFill>
+                <a:effectLst/>
+                <a:latin typeface="Arial Unicode MS"/>
+                <a:ea typeface="JetBrains Mono"/>
+              </a:rPr>
+              <a:t>true</a:t>
+            </a:r>
+            <a:endParaRPr kumimoji="0" lang="ko-KR" altLang="ko-KR" sz="1800" b="0" i="0" u="none" strike="noStrike" cap="none" normalizeH="0" baseline="0" dirty="0" smtClean="0">
+              <a:ln>
+                <a:noFill/>
+              </a:ln>
+              <a:solidFill>
+                <a:schemeClr val="tx1"/>
+              </a:solidFill>
+              <a:effectLst/>
+              <a:latin typeface="Arial" panose="020B0604020202020204" pitchFamily="34" charset="0"/>
+            </a:endParaRPr>
+          </a:p>
+        </p:txBody>
+      </p:sp>
+      <p:sp>
+        <p:nvSpPr>
+          <p:cNvPr id="12" name="TextBox 11"/>
+          <p:cNvSpPr txBox="1"/>
+          <p:nvPr/>
+        </p:nvSpPr>
+        <p:spPr>
+          <a:xfrm>
+            <a:off x="5347337" y="2841155"/>
+            <a:ext cx="5565642" cy="369332"/>
+          </a:xfrm>
+          <a:prstGeom prst="rect">
+            <a:avLst/>
+          </a:prstGeom>
+          <a:noFill/>
+        </p:spPr>
+        <p:txBody>
+          <a:bodyPr wrap="square" rtlCol="0">
+            <a:spAutoFit/>
+          </a:bodyPr>
+          <a:lstStyle/>
+          <a:p>
+            <a:r>
+              <a:rPr lang="en-US" altLang="ko-KR" dirty="0" smtClean="0"/>
+              <a:t>(</a:t>
+            </a:r>
+            <a:r>
+              <a:rPr lang="ko-KR" altLang="en-US" dirty="0" err="1" smtClean="0"/>
+              <a:t>홍팍</a:t>
+            </a:r>
+            <a:r>
+              <a:rPr lang="ko-KR" altLang="en-US" dirty="0" smtClean="0"/>
+              <a:t> </a:t>
+            </a:r>
+            <a:r>
+              <a:rPr lang="en-US" altLang="ko-KR" dirty="0" smtClean="0"/>
+              <a:t>console</a:t>
+            </a:r>
+            <a:r>
+              <a:rPr lang="ko-KR" altLang="en-US" dirty="0" smtClean="0"/>
+              <a:t>로 </a:t>
+            </a:r>
+            <a:r>
+              <a:rPr lang="en-US" altLang="ko-KR" dirty="0" smtClean="0"/>
+              <a:t>h2</a:t>
+            </a:r>
+            <a:r>
+              <a:rPr lang="ko-KR" altLang="en-US" dirty="0" smtClean="0"/>
+              <a:t>연결</a:t>
+            </a:r>
+            <a:r>
+              <a:rPr lang="en-US" altLang="ko-KR" dirty="0" smtClean="0"/>
+              <a:t>) /  </a:t>
+            </a:r>
+            <a:r>
+              <a:rPr lang="en-US" altLang="ko-KR" dirty="0" err="1" smtClean="0"/>
+              <a:t>application.properties</a:t>
+            </a:r>
+            <a:endParaRPr lang="ko-KR" altLang="en-US" dirty="0"/>
+          </a:p>
+        </p:txBody>
+      </p:sp>
+    </p:spTree>
+    <p:extLst>
+      <p:ext uri="{BB962C8B-B14F-4D97-AF65-F5344CB8AC3E}">
+        <p14:creationId xmlns:p14="http://schemas.microsoft.com/office/powerpoint/2010/main" val="226185204"/>
+      </p:ext>
+    </p:extLst>
+  </p:cSld>
+  <p:clrMapOvr>
+    <a:masterClrMapping/>
+  </p:clrMapOvr>
+</p:sld>
+</file>
+
+<file path=ppt/slides/slide28.xml><?xml version="1.0" encoding="utf-8"?>
+<p:sld xmlns:a="http://schemas.openxmlformats.org/drawingml/2006/main" xmlns:r="http://schemas.openxmlformats.org/officeDocument/2006/relationships" xmlns:p="http://schemas.openxmlformats.org/presentationml/2006/main">
+  <p:cSld>
+    <p:spTree>
+      <p:nvGrpSpPr>
+        <p:cNvPr id="1" name=""/>
+        <p:cNvGrpSpPr/>
+        <p:nvPr/>
+      </p:nvGrpSpPr>
+      <p:grpSpPr>
+        <a:xfrm>
+          <a:off x="0" y="0"/>
+          <a:ext cx="0" cy="0"/>
+          <a:chOff x="0" y="0"/>
+          <a:chExt cx="0" cy="0"/>
+        </a:xfrm>
+      </p:grpSpPr>
+      <p:sp>
+        <p:nvSpPr>
+          <p:cNvPr id="2" name="제목 1"/>
+          <p:cNvSpPr>
+            <a:spLocks noGrp="1"/>
+          </p:cNvSpPr>
+          <p:nvPr>
+            <p:ph type="title"/>
+          </p:nvPr>
+        </p:nvSpPr>
+        <p:spPr/>
+        <p:txBody>
+          <a:bodyPr/>
+          <a:lstStyle/>
+          <a:p>
+            <a:r>
+              <a:rPr lang="en-US" altLang="ko-KR" dirty="0" smtClean="0"/>
+              <a:t>6-1. Table </a:t>
+            </a:r>
+            <a:r>
+              <a:rPr lang="ko-KR" altLang="en-US" dirty="0" smtClean="0"/>
+              <a:t>생성</a:t>
+            </a:r>
+            <a:endParaRPr lang="ko-KR" altLang="en-US" dirty="0"/>
+          </a:p>
+        </p:txBody>
+      </p:sp>
+      <p:sp>
+        <p:nvSpPr>
+          <p:cNvPr id="3" name="내용 개체 틀 2"/>
+          <p:cNvSpPr>
+            <a:spLocks noGrp="1"/>
+          </p:cNvSpPr>
+          <p:nvPr>
+            <p:ph idx="1"/>
+          </p:nvPr>
+        </p:nvSpPr>
+        <p:spPr/>
+        <p:txBody>
+          <a:bodyPr/>
+          <a:lstStyle/>
+          <a:p>
+            <a:pPr marL="0" indent="0">
+              <a:buNone/>
+            </a:pPr>
+            <a:r>
+              <a:rPr lang="en-US" altLang="ko-KR" dirty="0"/>
+              <a:t>drop table if exists member CASCADE;</a:t>
+            </a:r>
+          </a:p>
+          <a:p>
+            <a:pPr marL="0" indent="0">
+              <a:buNone/>
+            </a:pPr>
+            <a:endParaRPr lang="en-US" altLang="ko-KR" dirty="0"/>
+          </a:p>
+          <a:p>
+            <a:pPr marL="0" indent="0">
+              <a:buNone/>
+            </a:pPr>
+            <a:r>
+              <a:rPr lang="en-US" altLang="ko-KR" dirty="0"/>
+              <a:t>create table member(</a:t>
+            </a:r>
+          </a:p>
+          <a:p>
+            <a:pPr marL="0" indent="0">
+              <a:buNone/>
+            </a:pPr>
+            <a:r>
+              <a:rPr lang="en-US" altLang="ko-KR" dirty="0"/>
+              <a:t>  id </a:t>
+            </a:r>
+            <a:r>
+              <a:rPr lang="en-US" altLang="ko-KR" dirty="0" err="1"/>
+              <a:t>bigint</a:t>
+            </a:r>
+            <a:r>
+              <a:rPr lang="en-US" altLang="ko-KR" dirty="0"/>
+              <a:t> generated by default as identity,</a:t>
+            </a:r>
+          </a:p>
+          <a:p>
+            <a:pPr marL="0" indent="0">
+              <a:buNone/>
+            </a:pPr>
+            <a:r>
+              <a:rPr lang="en-US" altLang="ko-KR" dirty="0"/>
+              <a:t>  name varchar(255),</a:t>
+            </a:r>
+          </a:p>
+          <a:p>
+            <a:pPr marL="0" indent="0">
+              <a:buNone/>
+            </a:pPr>
+            <a:r>
+              <a:rPr lang="en-US" altLang="ko-KR" dirty="0"/>
+              <a:t>  primary key(id)</a:t>
+            </a:r>
+          </a:p>
+          <a:p>
+            <a:pPr marL="0" indent="0">
+              <a:buNone/>
+            </a:pPr>
+            <a:r>
+              <a:rPr lang="en-US" altLang="ko-KR" dirty="0"/>
+              <a:t>);</a:t>
+            </a:r>
+            <a:endParaRPr lang="ko-KR" altLang="en-US" dirty="0"/>
+          </a:p>
+        </p:txBody>
+      </p:sp>
+    </p:spTree>
+    <p:extLst>
+      <p:ext uri="{BB962C8B-B14F-4D97-AF65-F5344CB8AC3E}">
+        <p14:creationId xmlns:p14="http://schemas.microsoft.com/office/powerpoint/2010/main" val="591970310"/>
+      </p:ext>
+    </p:extLst>
+  </p:cSld>
+  <p:clrMapOvr>
+    <a:masterClrMapping/>
+  </p:clrMapOvr>
+</p:sld>
+</file>
+
+<file path=ppt/slides/slide29.xml><?xml version="1.0" encoding="utf-8"?>
+<p:sld xmlns:a="http://schemas.openxmlformats.org/drawingml/2006/main" xmlns:r="http://schemas.openxmlformats.org/officeDocument/2006/relationships" xmlns:p="http://schemas.openxmlformats.org/presentationml/2006/main">
+  <p:cSld>
+    <p:spTree>
+      <p:nvGrpSpPr>
+        <p:cNvPr id="1" name=""/>
+        <p:cNvGrpSpPr/>
+        <p:nvPr/>
+      </p:nvGrpSpPr>
+      <p:grpSpPr>
+        <a:xfrm>
+          <a:off x="0" y="0"/>
+          <a:ext cx="0" cy="0"/>
+          <a:chOff x="0" y="0"/>
+          <a:chExt cx="0" cy="0"/>
+        </a:xfrm>
+      </p:grpSpPr>
+      <p:sp>
+        <p:nvSpPr>
+          <p:cNvPr id="2" name="제목 1"/>
+          <p:cNvSpPr>
+            <a:spLocks noGrp="1"/>
+          </p:cNvSpPr>
+          <p:nvPr>
+            <p:ph type="title"/>
+          </p:nvPr>
+        </p:nvSpPr>
+        <p:spPr/>
+        <p:txBody>
+          <a:bodyPr/>
+          <a:lstStyle/>
+          <a:p>
+            <a:r>
+              <a:rPr lang="en-US" altLang="ko-KR" dirty="0" smtClean="0"/>
+              <a:t>6-2. JDBC</a:t>
+            </a:r>
+            <a:endParaRPr lang="ko-KR" altLang="en-US" dirty="0"/>
+          </a:p>
+        </p:txBody>
+      </p:sp>
+      <p:sp>
+        <p:nvSpPr>
+          <p:cNvPr id="3" name="내용 개체 틀 2"/>
+          <p:cNvSpPr>
+            <a:spLocks noGrp="1"/>
+          </p:cNvSpPr>
+          <p:nvPr>
+            <p:ph idx="1"/>
+          </p:nvPr>
+        </p:nvSpPr>
+        <p:spPr/>
+        <p:txBody>
+          <a:bodyPr/>
+          <a:lstStyle/>
+          <a:p>
+            <a:endParaRPr lang="ko-KR" altLang="en-US"/>
+          </a:p>
+        </p:txBody>
+      </p:sp>
+    </p:spTree>
+    <p:extLst>
+      <p:ext uri="{BB962C8B-B14F-4D97-AF65-F5344CB8AC3E}">
+        <p14:creationId xmlns:p14="http://schemas.microsoft.com/office/powerpoint/2010/main" val="3711415929"/>
+      </p:ext>
+    </p:extLst>
+  </p:cSld>
+  <p:clrMapOvr>
+    <a:masterClrMapping/>
+  </p:clrMapOvr>
+</p:sld>
+</file>
+
 <file path=ppt/slides/slide3.xml><?xml version="1.0" encoding="utf-8"?>
 <p:sld xmlns:a="http://schemas.openxmlformats.org/drawingml/2006/main" xmlns:r="http://schemas.openxmlformats.org/officeDocument/2006/relationships" xmlns:p="http://schemas.openxmlformats.org/presentationml/2006/main">
   <p:cSld>

--- a/Spring-basic.pptx
+++ b/Spring-basic.pptx
@@ -34,6 +34,7 @@
     <p:sldId id="282" r:id="rId28"/>
     <p:sldId id="283" r:id="rId29"/>
     <p:sldId id="284" r:id="rId30"/>
+    <p:sldId id="285" r:id="rId31"/>
   </p:sldIdLst>
   <p:sldSz cx="12192000" cy="6858000"/>
   <p:notesSz cx="6858000" cy="9144000"/>
@@ -6799,25 +6800,32 @@
           </a:p>
         </p:txBody>
       </p:sp>
-      <p:sp>
-        <p:nvSpPr>
-          <p:cNvPr id="3" name="내용 개체 틀 2"/>
-          <p:cNvSpPr>
-            <a:spLocks noGrp="1"/>
-          </p:cNvSpPr>
+      <p:pic>
+        <p:nvPicPr>
+          <p:cNvPr id="4" name="내용 개체 틀 3"/>
+          <p:cNvPicPr>
+            <a:picLocks noGrp="1" noChangeAspect="1"/>
+          </p:cNvPicPr>
           <p:nvPr>
             <p:ph idx="1"/>
           </p:nvPr>
-        </p:nvSpPr>
-        <p:spPr/>
-        <p:txBody>
-          <a:bodyPr/>
-          <a:lstStyle/>
-          <a:p>
-            <a:endParaRPr lang="ko-KR" altLang="en-US"/>
-          </a:p>
-        </p:txBody>
-      </p:sp>
+        </p:nvPicPr>
+        <p:blipFill>
+          <a:blip r:embed="rId2"/>
+          <a:stretch>
+            <a:fillRect/>
+          </a:stretch>
+        </p:blipFill>
+        <p:spPr>
+          <a:xfrm>
+            <a:off x="838200" y="1690688"/>
+            <a:ext cx="6219825" cy="4267200"/>
+          </a:xfrm>
+          <a:prstGeom prst="rect">
+            <a:avLst/>
+          </a:prstGeom>
+        </p:spPr>
+      </p:pic>
     </p:spTree>
     <p:extLst>
       <p:ext uri="{BB962C8B-B14F-4D97-AF65-F5344CB8AC3E}">
@@ -7126,6 +7134,155 @@
     <p:extLst>
       <p:ext uri="{BB962C8B-B14F-4D97-AF65-F5344CB8AC3E}">
         <p14:creationId xmlns:p14="http://schemas.microsoft.com/office/powerpoint/2010/main" val="2203506076"/>
+      </p:ext>
+    </p:extLst>
+  </p:cSld>
+  <p:clrMapOvr>
+    <a:masterClrMapping/>
+  </p:clrMapOvr>
+</p:sld>
+</file>
+
+<file path=ppt/slides/slide30.xml><?xml version="1.0" encoding="utf-8"?>
+<p:sld xmlns:a="http://schemas.openxmlformats.org/drawingml/2006/main" xmlns:r="http://schemas.openxmlformats.org/officeDocument/2006/relationships" xmlns:p="http://schemas.openxmlformats.org/presentationml/2006/main">
+  <p:cSld>
+    <p:spTree>
+      <p:nvGrpSpPr>
+        <p:cNvPr id="1" name=""/>
+        <p:cNvGrpSpPr/>
+        <p:nvPr/>
+      </p:nvGrpSpPr>
+      <p:grpSpPr>
+        <a:xfrm>
+          <a:off x="0" y="0"/>
+          <a:ext cx="0" cy="0"/>
+          <a:chOff x="0" y="0"/>
+          <a:chExt cx="0" cy="0"/>
+        </a:xfrm>
+      </p:grpSpPr>
+      <p:sp>
+        <p:nvSpPr>
+          <p:cNvPr id="2" name="제목 1"/>
+          <p:cNvSpPr>
+            <a:spLocks noGrp="1"/>
+          </p:cNvSpPr>
+          <p:nvPr>
+            <p:ph type="title"/>
+          </p:nvPr>
+        </p:nvSpPr>
+        <p:spPr/>
+        <p:txBody>
+          <a:bodyPr/>
+          <a:lstStyle/>
+          <a:p>
+            <a:r>
+              <a:rPr lang="en-US" altLang="ko-KR" dirty="0" smtClean="0"/>
+              <a:t>6-2 JDBC </a:t>
+            </a:r>
+            <a:r>
+              <a:rPr lang="ko-KR" altLang="en-US" dirty="0" err="1" smtClean="0"/>
+              <a:t>연걸</a:t>
+            </a:r>
+            <a:endParaRPr lang="ko-KR" altLang="en-US" dirty="0"/>
+          </a:p>
+        </p:txBody>
+      </p:sp>
+      <p:pic>
+        <p:nvPicPr>
+          <p:cNvPr id="4" name="내용 개체 틀 3"/>
+          <p:cNvPicPr>
+            <a:picLocks noGrp="1" noChangeAspect="1"/>
+          </p:cNvPicPr>
+          <p:nvPr>
+            <p:ph idx="1"/>
+          </p:nvPr>
+        </p:nvPicPr>
+        <p:blipFill>
+          <a:blip r:embed="rId2"/>
+          <a:stretch>
+            <a:fillRect/>
+          </a:stretch>
+        </p:blipFill>
+        <p:spPr>
+          <a:xfrm>
+            <a:off x="838200" y="1544577"/>
+            <a:ext cx="4248150" cy="552450"/>
+          </a:xfrm>
+          <a:prstGeom prst="rect">
+            <a:avLst/>
+          </a:prstGeom>
+        </p:spPr>
+      </p:pic>
+      <p:sp>
+        <p:nvSpPr>
+          <p:cNvPr id="5" name="TextBox 4"/>
+          <p:cNvSpPr txBox="1"/>
+          <p:nvPr/>
+        </p:nvSpPr>
+        <p:spPr>
+          <a:xfrm>
+            <a:off x="5658337" y="1820985"/>
+            <a:ext cx="4853355" cy="307777"/>
+          </a:xfrm>
+          <a:prstGeom prst="rect">
+            <a:avLst/>
+          </a:prstGeom>
+          <a:noFill/>
+        </p:spPr>
+        <p:txBody>
+          <a:bodyPr wrap="square" rtlCol="0">
+            <a:spAutoFit/>
+          </a:bodyPr>
+          <a:lstStyle/>
+          <a:p>
+            <a:r>
+              <a:rPr lang="ko-KR" altLang="en-US" sz="1400" dirty="0" err="1" smtClean="0"/>
+              <a:t>오류시</a:t>
+            </a:r>
+            <a:r>
+              <a:rPr lang="ko-KR" altLang="en-US" sz="1400" dirty="0" smtClean="0"/>
+              <a:t> </a:t>
+            </a:r>
+            <a:r>
+              <a:rPr lang="en-US" altLang="ko-KR" sz="1400" dirty="0" smtClean="0"/>
+              <a:t>&gt; </a:t>
+            </a:r>
+            <a:r>
+              <a:rPr lang="en-US" altLang="ko-KR" sz="1400" dirty="0" err="1" smtClean="0"/>
+              <a:t>build.gradle</a:t>
+            </a:r>
+            <a:r>
+              <a:rPr lang="en-US" altLang="ko-KR" sz="1400" dirty="0" smtClean="0"/>
+              <a:t> </a:t>
+            </a:r>
+            <a:r>
+              <a:rPr lang="ko-KR" altLang="en-US" sz="1400" dirty="0" smtClean="0"/>
+              <a:t>이동</a:t>
+            </a:r>
+            <a:r>
+              <a:rPr lang="en-US" altLang="ko-KR" sz="1400" dirty="0"/>
+              <a:t> </a:t>
+            </a:r>
+            <a:r>
+              <a:rPr lang="ko-KR" altLang="en-US" sz="1400" dirty="0" smtClean="0"/>
+              <a:t>후 우측 </a:t>
+            </a:r>
+            <a:r>
+              <a:rPr lang="ko-KR" altLang="en-US" sz="1400" dirty="0" err="1" smtClean="0"/>
+              <a:t>상단코끼리</a:t>
+            </a:r>
+            <a:r>
+              <a:rPr lang="ko-KR" altLang="en-US" sz="1400" dirty="0" smtClean="0"/>
+              <a:t> 클릭</a:t>
+            </a:r>
+            <a:endParaRPr lang="ko-KR" altLang="en-US" sz="1400" dirty="0"/>
+          </a:p>
+        </p:txBody>
+      </p:sp>
+    </p:spTree>
+    <p:extLst>
+      <p:ext uri="{BB962C8B-B14F-4D97-AF65-F5344CB8AC3E}">
+        <p14:creationId xmlns:p14="http://schemas.microsoft.com/office/powerpoint/2010/main" val="1724994672"/>
       </p:ext>
     </p:extLst>
   </p:cSld>
